--- a/Tareas/JPPF/JPPF-Presentacion.pptx
+++ b/Tareas/JPPF/JPPF-Presentacion.pptx
@@ -2,17 +2,19 @@
 <file path=ppt/presentation.xml><?xml version="1.0" encoding="utf-8"?>
 <p:presentation xmlns:a="http://schemas.openxmlformats.org/drawingml/2006/main" xmlns:r="http://schemas.openxmlformats.org/officeDocument/2006/relationships" xmlns:p="http://schemas.openxmlformats.org/presentationml/2006/main" saveSubsetFonts="1">
   <p:sldMasterIdLst>
-    <p:sldMasterId id="2147483648" r:id="rId1"/>
+    <p:sldMasterId id="2147483672" r:id="rId1"/>
   </p:sldMasterIdLst>
   <p:sldIdLst>
     <p:sldId id="256" r:id="rId2"/>
     <p:sldId id="257" r:id="rId3"/>
-    <p:sldId id="258" r:id="rId4"/>
-    <p:sldId id="259" r:id="rId5"/>
-    <p:sldId id="260" r:id="rId6"/>
-    <p:sldId id="261" r:id="rId7"/>
-    <p:sldId id="262" r:id="rId8"/>
-    <p:sldId id="263" r:id="rId9"/>
+    <p:sldId id="264" r:id="rId4"/>
+    <p:sldId id="258" r:id="rId5"/>
+    <p:sldId id="265" r:id="rId6"/>
+    <p:sldId id="259" r:id="rId7"/>
+    <p:sldId id="260" r:id="rId8"/>
+    <p:sldId id="261" r:id="rId9"/>
+    <p:sldId id="262" r:id="rId10"/>
+    <p:sldId id="263" r:id="rId11"/>
   </p:sldIdLst>
   <p:sldSz cx="9144000" cy="6858000" type="screen4x3"/>
   <p:notesSz cx="6858000" cy="9144000"/>
@@ -133,7 +135,7 @@
       </p:grpSpPr>
       <p:sp>
         <p:nvSpPr>
-          <p:cNvPr id="2" name="1 Título"/>
+          <p:cNvPr id="2" name="Title 1"/>
           <p:cNvSpPr>
             <a:spLocks noGrp="1"/>
           </p:cNvSpPr>
@@ -143,25 +145,31 @@
         </p:nvSpPr>
         <p:spPr>
           <a:xfrm>
-            <a:off x="685800" y="2130425"/>
-            <a:ext cx="7772400" cy="1470025"/>
+            <a:off x="685800" y="1371600"/>
+            <a:ext cx="7848600" cy="1927225"/>
           </a:xfrm>
         </p:spPr>
         <p:txBody>
-          <a:bodyPr/>
-          <a:lstStyle/>
+          <a:bodyPr anchor="b">
+            <a:noAutofit/>
+          </a:bodyPr>
+          <a:lstStyle>
+            <a:lvl1pPr>
+              <a:defRPr sz="5400" cap="all" baseline="0"/>
+            </a:lvl1pPr>
+          </a:lstStyle>
           <a:p>
             <a:r>
               <a:rPr lang="es-ES" smtClean="0"/>
               <a:t>Haga clic para modificar el estilo de título del patrón</a:t>
             </a:r>
-            <a:endParaRPr lang="es-MX"/>
-          </a:p>
-        </p:txBody>
-      </p:sp>
-      <p:sp>
-        <p:nvSpPr>
-          <p:cNvPr id="3" name="2 Subtítulo"/>
+            <a:endParaRPr lang="en-US" dirty="0"/>
+          </a:p>
+        </p:txBody>
+      </p:sp>
+      <p:sp>
+        <p:nvSpPr>
+          <p:cNvPr id="3" name="Subtitle 2"/>
           <p:cNvSpPr>
             <a:spLocks noGrp="1"/>
           </p:cNvSpPr>
@@ -171,19 +179,20 @@
         </p:nvSpPr>
         <p:spPr>
           <a:xfrm>
-            <a:off x="1371600" y="3886200"/>
+            <a:off x="685800" y="3505200"/>
             <a:ext cx="6400800" cy="1752600"/>
           </a:xfrm>
         </p:spPr>
         <p:txBody>
           <a:bodyPr/>
           <a:lstStyle>
-            <a:lvl1pPr marL="0" indent="0" algn="ctr">
+            <a:lvl1pPr marL="0" indent="0" algn="l">
               <a:buNone/>
               <a:defRPr>
                 <a:solidFill>
                   <a:schemeClr val="tx1">
-                    <a:tint val="75000"/>
+                    <a:lumMod val="75000"/>
+                    <a:lumOff val="25000"/>
                   </a:schemeClr>
                 </a:solidFill>
               </a:defRPr>
@@ -274,13 +283,13 @@
               <a:rPr lang="es-ES" smtClean="0"/>
               <a:t>Haga clic para modificar el estilo de subtítulo del patrón</a:t>
             </a:r>
-            <a:endParaRPr lang="es-MX"/>
-          </a:p>
-        </p:txBody>
-      </p:sp>
-      <p:sp>
-        <p:nvSpPr>
-          <p:cNvPr id="4" name="3 Marcador de fecha"/>
+            <a:endParaRPr lang="en-US" dirty="0"/>
+          </a:p>
+        </p:txBody>
+      </p:sp>
+      <p:sp>
+        <p:nvSpPr>
+          <p:cNvPr id="4" name="Date Placeholder 3"/>
           <p:cNvSpPr>
             <a:spLocks noGrp="1"/>
           </p:cNvSpPr>
@@ -303,7 +312,7 @@
       </p:sp>
       <p:sp>
         <p:nvSpPr>
-          <p:cNvPr id="5" name="4 Marcador de pie de página"/>
+          <p:cNvPr id="5" name="Footer Placeholder 4"/>
           <p:cNvSpPr>
             <a:spLocks noGrp="1"/>
           </p:cNvSpPr>
@@ -322,7 +331,7 @@
       </p:sp>
       <p:sp>
         <p:nvSpPr>
-          <p:cNvPr id="6" name="5 Marcador de número de diapositiva"/>
+          <p:cNvPr id="6" name="Slide Number Placeholder 5"/>
           <p:cNvSpPr>
             <a:spLocks noGrp="1"/>
           </p:cNvSpPr>
@@ -343,12 +352,42 @@
           </a:p>
         </p:txBody>
       </p:sp>
+      <p:cxnSp>
+        <p:nvCxnSpPr>
+          <p:cNvPr id="8" name="Straight Connector 7"/>
+          <p:cNvCxnSpPr/>
+          <p:nvPr/>
+        </p:nvCxnSpPr>
+        <p:spPr>
+          <a:xfrm>
+            <a:off x="685800" y="3398520"/>
+            <a:ext cx="7848600" cy="1588"/>
+          </a:xfrm>
+          <a:prstGeom prst="line">
+            <a:avLst/>
+          </a:prstGeom>
+          <a:ln w="19050">
+            <a:solidFill>
+              <a:schemeClr val="tx2"/>
+            </a:solidFill>
+          </a:ln>
+        </p:spPr>
+        <p:style>
+          <a:lnRef idx="1">
+            <a:schemeClr val="accent1"/>
+          </a:lnRef>
+          <a:fillRef idx="0">
+            <a:schemeClr val="accent1"/>
+          </a:fillRef>
+          <a:effectRef idx="0">
+            <a:schemeClr val="accent1"/>
+          </a:effectRef>
+          <a:fontRef idx="minor">
+            <a:schemeClr val="tx1"/>
+          </a:fontRef>
+        </p:style>
+      </p:cxnSp>
     </p:spTree>
-    <p:extLst>
-      <p:ext uri="{BB962C8B-B14F-4D97-AF65-F5344CB8AC3E}">
-        <p14:creationId xmlns:p14="http://schemas.microsoft.com/office/powerpoint/2010/main" val="2042849689"/>
-      </p:ext>
-    </p:extLst>
   </p:cSld>
   <p:clrMapOvr>
     <a:masterClrMapping/>
@@ -375,7 +414,7 @@
       </p:grpSpPr>
       <p:sp>
         <p:nvSpPr>
-          <p:cNvPr id="2" name="1 Título"/>
+          <p:cNvPr id="2" name="Title 1"/>
           <p:cNvSpPr>
             <a:spLocks noGrp="1"/>
           </p:cNvSpPr>
@@ -392,13 +431,13 @@
               <a:rPr lang="es-ES" smtClean="0"/>
               <a:t>Haga clic para modificar el estilo de título del patrón</a:t>
             </a:r>
-            <a:endParaRPr lang="es-MX"/>
-          </a:p>
-        </p:txBody>
-      </p:sp>
-      <p:sp>
-        <p:nvSpPr>
-          <p:cNvPr id="3" name="2 Marcador de texto vertical"/>
+            <a:endParaRPr lang="en-US"/>
+          </a:p>
+        </p:txBody>
+      </p:sp>
+      <p:sp>
+        <p:nvSpPr>
+          <p:cNvPr id="3" name="Vertical Text Placeholder 2"/>
           <p:cNvSpPr>
             <a:spLocks noGrp="1"/>
           </p:cNvSpPr>
@@ -444,13 +483,13 @@
               <a:rPr lang="es-ES" smtClean="0"/>
               <a:t>Quinto nivel</a:t>
             </a:r>
-            <a:endParaRPr lang="es-MX"/>
-          </a:p>
-        </p:txBody>
-      </p:sp>
-      <p:sp>
-        <p:nvSpPr>
-          <p:cNvPr id="4" name="3 Marcador de fecha"/>
+            <a:endParaRPr lang="en-US"/>
+          </a:p>
+        </p:txBody>
+      </p:sp>
+      <p:sp>
+        <p:nvSpPr>
+          <p:cNvPr id="4" name="Date Placeholder 3"/>
           <p:cNvSpPr>
             <a:spLocks noGrp="1"/>
           </p:cNvSpPr>
@@ -473,7 +512,7 @@
       </p:sp>
       <p:sp>
         <p:nvSpPr>
-          <p:cNvPr id="5" name="4 Marcador de pie de página"/>
+          <p:cNvPr id="5" name="Footer Placeholder 4"/>
           <p:cNvSpPr>
             <a:spLocks noGrp="1"/>
           </p:cNvSpPr>
@@ -492,7 +531,7 @@
       </p:sp>
       <p:sp>
         <p:nvSpPr>
-          <p:cNvPr id="6" name="5 Marcador de número de diapositiva"/>
+          <p:cNvPr id="6" name="Slide Number Placeholder 5"/>
           <p:cNvSpPr>
             <a:spLocks noGrp="1"/>
           </p:cNvSpPr>
@@ -514,11 +553,6 @@
         </p:txBody>
       </p:sp>
     </p:spTree>
-    <p:extLst>
-      <p:ext uri="{BB962C8B-B14F-4D97-AF65-F5344CB8AC3E}">
-        <p14:creationId xmlns:p14="http://schemas.microsoft.com/office/powerpoint/2010/main" val="142765187"/>
-      </p:ext>
-    </p:extLst>
   </p:cSld>
   <p:clrMapOvr>
     <a:masterClrMapping/>
@@ -545,7 +579,7 @@
       </p:grpSpPr>
       <p:sp>
         <p:nvSpPr>
-          <p:cNvPr id="2" name="1 Título vertical"/>
+          <p:cNvPr id="2" name="Vertical Title 1"/>
           <p:cNvSpPr>
             <a:spLocks noGrp="1"/>
           </p:cNvSpPr>
@@ -555,25 +589,25 @@
         </p:nvSpPr>
         <p:spPr>
           <a:xfrm>
-            <a:off x="6629400" y="274638"/>
-            <a:ext cx="2057400" cy="5851525"/>
+            <a:off x="6629400" y="609600"/>
+            <a:ext cx="2057400" cy="5867400"/>
           </a:xfrm>
         </p:spPr>
         <p:txBody>
-          <a:bodyPr vert="eaVert"/>
+          <a:bodyPr vert="eaVert" anchor="b"/>
           <a:lstStyle/>
           <a:p>
             <a:r>
               <a:rPr lang="es-ES" smtClean="0"/>
               <a:t>Haga clic para modificar el estilo de título del patrón</a:t>
             </a:r>
-            <a:endParaRPr lang="es-MX"/>
-          </a:p>
-        </p:txBody>
-      </p:sp>
-      <p:sp>
-        <p:nvSpPr>
-          <p:cNvPr id="3" name="2 Marcador de texto vertical"/>
+            <a:endParaRPr lang="en-US" dirty="0"/>
+          </a:p>
+        </p:txBody>
+      </p:sp>
+      <p:sp>
+        <p:nvSpPr>
+          <p:cNvPr id="3" name="Vertical Text Placeholder 2"/>
           <p:cNvSpPr>
             <a:spLocks noGrp="1"/>
           </p:cNvSpPr>
@@ -583,8 +617,8 @@
         </p:nvSpPr>
         <p:spPr>
           <a:xfrm>
-            <a:off x="457200" y="274638"/>
-            <a:ext cx="6019800" cy="5851525"/>
+            <a:off x="457200" y="609600"/>
+            <a:ext cx="6019800" cy="5867400"/>
           </a:xfrm>
         </p:spPr>
         <p:txBody>
@@ -624,13 +658,13 @@
               <a:rPr lang="es-ES" smtClean="0"/>
               <a:t>Quinto nivel</a:t>
             </a:r>
-            <a:endParaRPr lang="es-MX"/>
-          </a:p>
-        </p:txBody>
-      </p:sp>
-      <p:sp>
-        <p:nvSpPr>
-          <p:cNvPr id="4" name="3 Marcador de fecha"/>
+            <a:endParaRPr lang="en-US" dirty="0"/>
+          </a:p>
+        </p:txBody>
+      </p:sp>
+      <p:sp>
+        <p:nvSpPr>
+          <p:cNvPr id="4" name="Date Placeholder 3"/>
           <p:cNvSpPr>
             <a:spLocks noGrp="1"/>
           </p:cNvSpPr>
@@ -653,7 +687,7 @@
       </p:sp>
       <p:sp>
         <p:nvSpPr>
-          <p:cNvPr id="5" name="4 Marcador de pie de página"/>
+          <p:cNvPr id="5" name="Footer Placeholder 4"/>
           <p:cNvSpPr>
             <a:spLocks noGrp="1"/>
           </p:cNvSpPr>
@@ -672,7 +706,7 @@
       </p:sp>
       <p:sp>
         <p:nvSpPr>
-          <p:cNvPr id="6" name="5 Marcador de número de diapositiva"/>
+          <p:cNvPr id="6" name="Slide Number Placeholder 5"/>
           <p:cNvSpPr>
             <a:spLocks noGrp="1"/>
           </p:cNvSpPr>
@@ -694,11 +728,6 @@
         </p:txBody>
       </p:sp>
     </p:spTree>
-    <p:extLst>
-      <p:ext uri="{BB962C8B-B14F-4D97-AF65-F5344CB8AC3E}">
-        <p14:creationId xmlns:p14="http://schemas.microsoft.com/office/powerpoint/2010/main" val="1560916804"/>
-      </p:ext>
-    </p:extLst>
   </p:cSld>
   <p:clrMapOvr>
     <a:masterClrMapping/>
@@ -725,7 +754,7 @@
       </p:grpSpPr>
       <p:sp>
         <p:nvSpPr>
-          <p:cNvPr id="2" name="1 Título"/>
+          <p:cNvPr id="2" name="Title 1"/>
           <p:cNvSpPr>
             <a:spLocks noGrp="1"/>
           </p:cNvSpPr>
@@ -742,13 +771,13 @@
               <a:rPr lang="es-ES" smtClean="0"/>
               <a:t>Haga clic para modificar el estilo de título del patrón</a:t>
             </a:r>
-            <a:endParaRPr lang="es-MX"/>
-          </a:p>
-        </p:txBody>
-      </p:sp>
-      <p:sp>
-        <p:nvSpPr>
-          <p:cNvPr id="3" name="2 Marcador de contenido"/>
+            <a:endParaRPr lang="en-US"/>
+          </a:p>
+        </p:txBody>
+      </p:sp>
+      <p:sp>
+        <p:nvSpPr>
+          <p:cNvPr id="3" name="Content Placeholder 2"/>
           <p:cNvSpPr>
             <a:spLocks noGrp="1"/>
           </p:cNvSpPr>
@@ -794,13 +823,13 @@
               <a:rPr lang="es-ES" smtClean="0"/>
               <a:t>Quinto nivel</a:t>
             </a:r>
-            <a:endParaRPr lang="es-MX"/>
-          </a:p>
-        </p:txBody>
-      </p:sp>
-      <p:sp>
-        <p:nvSpPr>
-          <p:cNvPr id="4" name="3 Marcador de fecha"/>
+            <a:endParaRPr lang="en-US"/>
+          </a:p>
+        </p:txBody>
+      </p:sp>
+      <p:sp>
+        <p:nvSpPr>
+          <p:cNvPr id="4" name="Date Placeholder 3"/>
           <p:cNvSpPr>
             <a:spLocks noGrp="1"/>
           </p:cNvSpPr>
@@ -823,7 +852,7 @@
       </p:sp>
       <p:sp>
         <p:nvSpPr>
-          <p:cNvPr id="5" name="4 Marcador de pie de página"/>
+          <p:cNvPr id="5" name="Footer Placeholder 4"/>
           <p:cNvSpPr>
             <a:spLocks noGrp="1"/>
           </p:cNvSpPr>
@@ -842,7 +871,7 @@
       </p:sp>
       <p:sp>
         <p:nvSpPr>
-          <p:cNvPr id="6" name="5 Marcador de número de diapositiva"/>
+          <p:cNvPr id="6" name="Slide Number Placeholder 5"/>
           <p:cNvSpPr>
             <a:spLocks noGrp="1"/>
           </p:cNvSpPr>
@@ -864,11 +893,6 @@
         </p:txBody>
       </p:sp>
     </p:spTree>
-    <p:extLst>
-      <p:ext uri="{BB962C8B-B14F-4D97-AF65-F5344CB8AC3E}">
-        <p14:creationId xmlns:p14="http://schemas.microsoft.com/office/powerpoint/2010/main" val="2966564697"/>
-      </p:ext>
-    </p:extLst>
   </p:cSld>
   <p:clrMapOvr>
     <a:masterClrMapping/>
@@ -879,6 +903,11 @@
 <file path=ppt/slideLayouts/slideLayout3.xml><?xml version="1.0" encoding="utf-8"?>
 <p:sldLayout xmlns:a="http://schemas.openxmlformats.org/drawingml/2006/main" xmlns:r="http://schemas.openxmlformats.org/officeDocument/2006/relationships" xmlns:p="http://schemas.openxmlformats.org/presentationml/2006/main" type="secHead" preserve="1">
   <p:cSld name="Encabezado de sección">
+    <p:bg>
+      <p:bgRef idx="1001">
+        <a:schemeClr val="bg2"/>
+      </p:bgRef>
+    </p:bg>
     <p:spTree>
       <p:nvGrpSpPr>
         <p:cNvPr id="1" name=""/>
@@ -895,7 +924,7 @@
       </p:grpSpPr>
       <p:sp>
         <p:nvSpPr>
-          <p:cNvPr id="2" name="1 Título"/>
+          <p:cNvPr id="2" name="Title 1"/>
           <p:cNvSpPr>
             <a:spLocks noGrp="1"/>
           </p:cNvSpPr>
@@ -905,15 +934,17 @@
         </p:nvSpPr>
         <p:spPr>
           <a:xfrm>
-            <a:off x="722313" y="4406900"/>
-            <a:ext cx="7772400" cy="1362075"/>
+            <a:off x="722313" y="2362200"/>
+            <a:ext cx="7772400" cy="2200275"/>
           </a:xfrm>
         </p:spPr>
         <p:txBody>
-          <a:bodyPr anchor="t"/>
+          <a:bodyPr anchor="b">
+            <a:normAutofit/>
+          </a:bodyPr>
           <a:lstStyle>
             <a:lvl1pPr algn="l">
-              <a:defRPr sz="4000" b="1" cap="all"/>
+              <a:defRPr sz="4800" b="0" cap="all"/>
             </a:lvl1pPr>
           </a:lstStyle>
           <a:p>
@@ -921,13 +952,13 @@
               <a:rPr lang="es-ES" smtClean="0"/>
               <a:t>Haga clic para modificar el estilo de título del patrón</a:t>
             </a:r>
-            <a:endParaRPr lang="es-MX"/>
-          </a:p>
-        </p:txBody>
-      </p:sp>
-      <p:sp>
-        <p:nvSpPr>
-          <p:cNvPr id="3" name="2 Marcador de texto"/>
+            <a:endParaRPr lang="en-US" dirty="0"/>
+          </a:p>
+        </p:txBody>
+      </p:sp>
+      <p:sp>
+        <p:nvSpPr>
+          <p:cNvPr id="3" name="Text Placeholder 2"/>
           <p:cNvSpPr>
             <a:spLocks noGrp="1"/>
           </p:cNvSpPr>
@@ -937,20 +968,20 @@
         </p:nvSpPr>
         <p:spPr>
           <a:xfrm>
-            <a:off x="722313" y="2906713"/>
+            <a:off x="722313" y="4626864"/>
             <a:ext cx="7772400" cy="1500187"/>
           </a:xfrm>
         </p:spPr>
         <p:txBody>
-          <a:bodyPr anchor="b"/>
+          <a:bodyPr anchor="t">
+            <a:normAutofit/>
+          </a:bodyPr>
           <a:lstStyle>
             <a:lvl1pPr marL="0" indent="0">
               <a:buNone/>
-              <a:defRPr sz="2000">
+              <a:defRPr sz="2400">
                 <a:solidFill>
-                  <a:schemeClr val="tx1">
-                    <a:tint val="75000"/>
-                  </a:schemeClr>
+                  <a:schemeClr val="tx2"/>
                 </a:solidFill>
               </a:defRPr>
             </a:lvl1pPr>
@@ -1046,7 +1077,7 @@
       </p:sp>
       <p:sp>
         <p:nvSpPr>
-          <p:cNvPr id="4" name="3 Marcador de fecha"/>
+          <p:cNvPr id="4" name="Date Placeholder 3"/>
           <p:cNvSpPr>
             <a:spLocks noGrp="1"/>
           </p:cNvSpPr>
@@ -1069,7 +1100,7 @@
       </p:sp>
       <p:sp>
         <p:nvSpPr>
-          <p:cNvPr id="5" name="4 Marcador de pie de página"/>
+          <p:cNvPr id="5" name="Footer Placeholder 4"/>
           <p:cNvSpPr>
             <a:spLocks noGrp="1"/>
           </p:cNvSpPr>
@@ -1088,7 +1119,7 @@
       </p:sp>
       <p:sp>
         <p:nvSpPr>
-          <p:cNvPr id="6" name="5 Marcador de número de diapositiva"/>
+          <p:cNvPr id="6" name="Slide Number Placeholder 5"/>
           <p:cNvSpPr>
             <a:spLocks noGrp="1"/>
           </p:cNvSpPr>
@@ -1109,15 +1140,45 @@
           </a:p>
         </p:txBody>
       </p:sp>
+      <p:cxnSp>
+        <p:nvCxnSpPr>
+          <p:cNvPr id="7" name="Straight Connector 6"/>
+          <p:cNvCxnSpPr/>
+          <p:nvPr/>
+        </p:nvCxnSpPr>
+        <p:spPr>
+          <a:xfrm>
+            <a:off x="731520" y="4599432"/>
+            <a:ext cx="7848600" cy="1588"/>
+          </a:xfrm>
+          <a:prstGeom prst="line">
+            <a:avLst/>
+          </a:prstGeom>
+          <a:ln w="19050">
+            <a:solidFill>
+              <a:schemeClr val="tx2"/>
+            </a:solidFill>
+          </a:ln>
+        </p:spPr>
+        <p:style>
+          <a:lnRef idx="1">
+            <a:schemeClr val="accent1"/>
+          </a:lnRef>
+          <a:fillRef idx="0">
+            <a:schemeClr val="accent1"/>
+          </a:fillRef>
+          <a:effectRef idx="0">
+            <a:schemeClr val="accent1"/>
+          </a:effectRef>
+          <a:fontRef idx="minor">
+            <a:schemeClr val="tx1"/>
+          </a:fontRef>
+        </p:style>
+      </p:cxnSp>
     </p:spTree>
-    <p:extLst>
-      <p:ext uri="{BB962C8B-B14F-4D97-AF65-F5344CB8AC3E}">
-        <p14:creationId xmlns:p14="http://schemas.microsoft.com/office/powerpoint/2010/main" val="2579287761"/>
-      </p:ext>
-    </p:extLst>
   </p:cSld>
   <p:clrMapOvr>
-    <a:masterClrMapping/>
+    <a:overrideClrMapping bg1="dk1" tx1="lt1" bg2="dk2" tx2="lt2" accent1="accent1" accent2="accent2" accent3="accent3" accent4="accent4" accent5="accent5" accent6="accent6" hlink="hlink" folHlink="folHlink"/>
   </p:clrMapOvr>
 </p:sldLayout>
 </file>
@@ -1141,7 +1202,7 @@
       </p:grpSpPr>
       <p:sp>
         <p:nvSpPr>
-          <p:cNvPr id="2" name="1 Título"/>
+          <p:cNvPr id="2" name="Title 1"/>
           <p:cNvSpPr>
             <a:spLocks noGrp="1"/>
           </p:cNvSpPr>
@@ -1158,13 +1219,13 @@
               <a:rPr lang="es-ES" smtClean="0"/>
               <a:t>Haga clic para modificar el estilo de título del patrón</a:t>
             </a:r>
-            <a:endParaRPr lang="es-MX"/>
-          </a:p>
-        </p:txBody>
-      </p:sp>
-      <p:sp>
-        <p:nvSpPr>
-          <p:cNvPr id="3" name="2 Marcador de contenido"/>
+            <a:endParaRPr lang="en-US"/>
+          </a:p>
+        </p:txBody>
+      </p:sp>
+      <p:sp>
+        <p:nvSpPr>
+          <p:cNvPr id="3" name="Content Placeholder 2"/>
           <p:cNvSpPr>
             <a:spLocks noGrp="1"/>
           </p:cNvSpPr>
@@ -1174,8 +1235,8 @@
         </p:nvSpPr>
         <p:spPr>
           <a:xfrm>
-            <a:off x="457200" y="1600200"/>
-            <a:ext cx="4038600" cy="4525963"/>
+            <a:off x="457200" y="1673352"/>
+            <a:ext cx="4038600" cy="4718304"/>
           </a:xfrm>
         </p:spPr>
         <p:txBody>
@@ -1243,13 +1304,13 @@
               <a:rPr lang="es-ES" smtClean="0"/>
               <a:t>Quinto nivel</a:t>
             </a:r>
-            <a:endParaRPr lang="es-MX"/>
-          </a:p>
-        </p:txBody>
-      </p:sp>
-      <p:sp>
-        <p:nvSpPr>
-          <p:cNvPr id="4" name="3 Marcador de contenido"/>
+            <a:endParaRPr lang="en-US" dirty="0"/>
+          </a:p>
+        </p:txBody>
+      </p:sp>
+      <p:sp>
+        <p:nvSpPr>
+          <p:cNvPr id="4" name="Content Placeholder 3"/>
           <p:cNvSpPr>
             <a:spLocks noGrp="1"/>
           </p:cNvSpPr>
@@ -1259,8 +1320,8 @@
         </p:nvSpPr>
         <p:spPr>
           <a:xfrm>
-            <a:off x="4648200" y="1600200"/>
-            <a:ext cx="4038600" cy="4525963"/>
+            <a:off x="4648200" y="1673352"/>
+            <a:ext cx="4038600" cy="4718304"/>
           </a:xfrm>
         </p:spPr>
         <p:txBody>
@@ -1328,13 +1389,13 @@
               <a:rPr lang="es-ES" smtClean="0"/>
               <a:t>Quinto nivel</a:t>
             </a:r>
-            <a:endParaRPr lang="es-MX"/>
-          </a:p>
-        </p:txBody>
-      </p:sp>
-      <p:sp>
-        <p:nvSpPr>
-          <p:cNvPr id="5" name="4 Marcador de fecha"/>
+            <a:endParaRPr lang="en-US" dirty="0"/>
+          </a:p>
+        </p:txBody>
+      </p:sp>
+      <p:sp>
+        <p:nvSpPr>
+          <p:cNvPr id="5" name="Date Placeholder 4"/>
           <p:cNvSpPr>
             <a:spLocks noGrp="1"/>
           </p:cNvSpPr>
@@ -1357,7 +1418,7 @@
       </p:sp>
       <p:sp>
         <p:nvSpPr>
-          <p:cNvPr id="6" name="5 Marcador de pie de página"/>
+          <p:cNvPr id="6" name="Footer Placeholder 5"/>
           <p:cNvSpPr>
             <a:spLocks noGrp="1"/>
           </p:cNvSpPr>
@@ -1376,7 +1437,7 @@
       </p:sp>
       <p:sp>
         <p:nvSpPr>
-          <p:cNvPr id="7" name="6 Marcador de número de diapositiva"/>
+          <p:cNvPr id="7" name="Slide Number Placeholder 6"/>
           <p:cNvSpPr>
             <a:spLocks noGrp="1"/>
           </p:cNvSpPr>
@@ -1398,11 +1459,6 @@
         </p:txBody>
       </p:sp>
     </p:spTree>
-    <p:extLst>
-      <p:ext uri="{BB962C8B-B14F-4D97-AF65-F5344CB8AC3E}">
-        <p14:creationId xmlns:p14="http://schemas.microsoft.com/office/powerpoint/2010/main" val="1777271550"/>
-      </p:ext>
-    </p:extLst>
   </p:cSld>
   <p:clrMapOvr>
     <a:masterClrMapping/>
@@ -1429,7 +1485,7 @@
       </p:grpSpPr>
       <p:sp>
         <p:nvSpPr>
-          <p:cNvPr id="2" name="1 Título"/>
+          <p:cNvPr id="2" name="Title 1"/>
           <p:cNvSpPr>
             <a:spLocks noGrp="1"/>
           </p:cNvSpPr>
@@ -1450,13 +1506,13 @@
               <a:rPr lang="es-ES" smtClean="0"/>
               <a:t>Haga clic para modificar el estilo de título del patrón</a:t>
             </a:r>
-            <a:endParaRPr lang="es-MX"/>
-          </a:p>
-        </p:txBody>
-      </p:sp>
-      <p:sp>
-        <p:nvSpPr>
-          <p:cNvPr id="3" name="2 Marcador de texto"/>
+            <a:endParaRPr lang="en-US" dirty="0"/>
+          </a:p>
+        </p:txBody>
+      </p:sp>
+      <p:sp>
+        <p:nvSpPr>
+          <p:cNvPr id="3" name="Text Placeholder 2"/>
           <p:cNvSpPr>
             <a:spLocks noGrp="1"/>
           </p:cNvSpPr>
@@ -1466,16 +1522,39 @@
         </p:nvSpPr>
         <p:spPr>
           <a:xfrm>
-            <a:off x="457200" y="1535113"/>
-            <a:ext cx="4040188" cy="639762"/>
+            <a:off x="457200" y="1676400"/>
+            <a:ext cx="3931920" cy="639762"/>
           </a:xfrm>
+          <a:noFill/>
+          <a:ln>
+            <a:noFill/>
+          </a:ln>
+          <a:effectLst/>
         </p:spPr>
-        <p:txBody>
-          <a:bodyPr anchor="b"/>
+        <p:style>
+          <a:lnRef idx="3">
+            <a:schemeClr val="lt1"/>
+          </a:lnRef>
+          <a:fillRef idx="1">
+            <a:schemeClr val="accent2"/>
+          </a:fillRef>
+          <a:effectRef idx="1">
+            <a:schemeClr val="accent2"/>
+          </a:effectRef>
+          <a:fontRef idx="none"/>
+        </p:style>
+        <p:txBody>
+          <a:bodyPr anchor="ctr">
+            <a:normAutofit/>
+          </a:bodyPr>
           <a:lstStyle>
-            <a:lvl1pPr marL="0" indent="0">
-              <a:buNone/>
-              <a:defRPr sz="2400" b="1"/>
+            <a:lvl1pPr marL="0" indent="0" algn="ctr">
+              <a:buNone/>
+              <a:defRPr sz="2000" b="0">
+                <a:solidFill>
+                  <a:schemeClr val="tx2"/>
+                </a:solidFill>
+              </a:defRPr>
             </a:lvl1pPr>
             <a:lvl2pPr marL="457200" indent="0">
               <a:buNone/>
@@ -1521,7 +1600,7 @@
       </p:sp>
       <p:sp>
         <p:nvSpPr>
-          <p:cNvPr id="4" name="3 Marcador de contenido"/>
+          <p:cNvPr id="4" name="Content Placeholder 3"/>
           <p:cNvSpPr>
             <a:spLocks noGrp="1"/>
           </p:cNvSpPr>
@@ -1531,8 +1610,8 @@
         </p:nvSpPr>
         <p:spPr>
           <a:xfrm>
-            <a:off x="457200" y="2174875"/>
-            <a:ext cx="4040188" cy="3951288"/>
+            <a:off x="457200" y="2438400"/>
+            <a:ext cx="3931920" cy="3951288"/>
           </a:xfrm>
         </p:spPr>
         <p:txBody>
@@ -1600,13 +1679,13 @@
               <a:rPr lang="es-ES" smtClean="0"/>
               <a:t>Quinto nivel</a:t>
             </a:r>
-            <a:endParaRPr lang="es-MX"/>
-          </a:p>
-        </p:txBody>
-      </p:sp>
-      <p:sp>
-        <p:nvSpPr>
-          <p:cNvPr id="5" name="4 Marcador de texto"/>
+            <a:endParaRPr lang="en-US" dirty="0"/>
+          </a:p>
+        </p:txBody>
+      </p:sp>
+      <p:sp>
+        <p:nvSpPr>
+          <p:cNvPr id="5" name="Text Placeholder 4"/>
           <p:cNvSpPr>
             <a:spLocks noGrp="1"/>
           </p:cNvSpPr>
@@ -1616,16 +1695,42 @@
         </p:nvSpPr>
         <p:spPr>
           <a:xfrm>
-            <a:off x="4645025" y="1535113"/>
-            <a:ext cx="4041775" cy="639762"/>
+            <a:off x="4754880" y="1676400"/>
+            <a:ext cx="3931920" cy="639762"/>
           </a:xfrm>
+          <a:noFill/>
+          <a:ln>
+            <a:noFill/>
+          </a:ln>
+          <a:effectLst/>
         </p:spPr>
-        <p:txBody>
-          <a:bodyPr anchor="b"/>
+        <p:style>
+          <a:lnRef idx="3">
+            <a:schemeClr val="lt1"/>
+          </a:lnRef>
+          <a:fillRef idx="1">
+            <a:schemeClr val="accent2"/>
+          </a:fillRef>
+          <a:effectRef idx="1">
+            <a:schemeClr val="accent2"/>
+          </a:effectRef>
+          <a:fontRef idx="none"/>
+        </p:style>
+        <p:txBody>
+          <a:bodyPr anchor="ctr">
+            <a:normAutofit/>
+          </a:bodyPr>
           <a:lstStyle>
-            <a:lvl1pPr marL="0" indent="0">
-              <a:buNone/>
-              <a:defRPr sz="2400" b="1"/>
+            <a:lvl1pPr marL="0" indent="0" algn="ctr">
+              <a:buNone/>
+              <a:defRPr lang="en-US" sz="2000" b="0" kern="1200" dirty="0" smtClean="0">
+                <a:solidFill>
+                  <a:schemeClr val="tx2"/>
+                </a:solidFill>
+                <a:latin typeface="+mn-lt"/>
+                <a:ea typeface="+mn-ea"/>
+                <a:cs typeface="+mn-cs"/>
+              </a:defRPr>
             </a:lvl1pPr>
             <a:lvl2pPr marL="457200" indent="0">
               <a:buNone/>
@@ -1671,7 +1776,7 @@
       </p:sp>
       <p:sp>
         <p:nvSpPr>
-          <p:cNvPr id="6" name="5 Marcador de contenido"/>
+          <p:cNvPr id="6" name="Content Placeholder 5"/>
           <p:cNvSpPr>
             <a:spLocks noGrp="1"/>
           </p:cNvSpPr>
@@ -1681,8 +1786,8 @@
         </p:nvSpPr>
         <p:spPr>
           <a:xfrm>
-            <a:off x="4645025" y="2174875"/>
-            <a:ext cx="4041775" cy="3951288"/>
+            <a:off x="4754880" y="2438400"/>
+            <a:ext cx="3931920" cy="3951288"/>
           </a:xfrm>
         </p:spPr>
         <p:txBody>
@@ -1750,13 +1855,13 @@
               <a:rPr lang="es-ES" smtClean="0"/>
               <a:t>Quinto nivel</a:t>
             </a:r>
-            <a:endParaRPr lang="es-MX"/>
-          </a:p>
-        </p:txBody>
-      </p:sp>
-      <p:sp>
-        <p:nvSpPr>
-          <p:cNvPr id="7" name="6 Marcador de fecha"/>
+            <a:endParaRPr lang="en-US" dirty="0"/>
+          </a:p>
+        </p:txBody>
+      </p:sp>
+      <p:sp>
+        <p:nvSpPr>
+          <p:cNvPr id="7" name="Date Placeholder 6"/>
           <p:cNvSpPr>
             <a:spLocks noGrp="1"/>
           </p:cNvSpPr>
@@ -1779,7 +1884,7 @@
       </p:sp>
       <p:sp>
         <p:nvSpPr>
-          <p:cNvPr id="8" name="7 Marcador de pie de página"/>
+          <p:cNvPr id="8" name="Footer Placeholder 7"/>
           <p:cNvSpPr>
             <a:spLocks noGrp="1"/>
           </p:cNvSpPr>
@@ -1798,7 +1903,7 @@
       </p:sp>
       <p:sp>
         <p:nvSpPr>
-          <p:cNvPr id="9" name="8 Marcador de número de diapositiva"/>
+          <p:cNvPr id="9" name="Slide Number Placeholder 8"/>
           <p:cNvSpPr>
             <a:spLocks noGrp="1"/>
           </p:cNvSpPr>
@@ -1819,12 +1924,42 @@
           </a:p>
         </p:txBody>
       </p:sp>
+      <p:cxnSp>
+        <p:nvCxnSpPr>
+          <p:cNvPr id="11" name="Straight Connector 10"/>
+          <p:cNvCxnSpPr/>
+          <p:nvPr/>
+        </p:nvCxnSpPr>
+        <p:spPr>
+          <a:xfrm rot="5400000">
+            <a:off x="2217817" y="4045823"/>
+            <a:ext cx="4709160" cy="794"/>
+          </a:xfrm>
+          <a:prstGeom prst="line">
+            <a:avLst/>
+          </a:prstGeom>
+          <a:ln w="19050">
+            <a:solidFill>
+              <a:schemeClr val="tx2"/>
+            </a:solidFill>
+          </a:ln>
+        </p:spPr>
+        <p:style>
+          <a:lnRef idx="1">
+            <a:schemeClr val="accent1"/>
+          </a:lnRef>
+          <a:fillRef idx="0">
+            <a:schemeClr val="accent1"/>
+          </a:fillRef>
+          <a:effectRef idx="0">
+            <a:schemeClr val="accent1"/>
+          </a:effectRef>
+          <a:fontRef idx="minor">
+            <a:schemeClr val="tx1"/>
+          </a:fontRef>
+        </p:style>
+      </p:cxnSp>
     </p:spTree>
-    <p:extLst>
-      <p:ext uri="{BB962C8B-B14F-4D97-AF65-F5344CB8AC3E}">
-        <p14:creationId xmlns:p14="http://schemas.microsoft.com/office/powerpoint/2010/main" val="1351897009"/>
-      </p:ext>
-    </p:extLst>
   </p:cSld>
   <p:clrMapOvr>
     <a:masterClrMapping/>
@@ -1851,7 +1986,7 @@
       </p:grpSpPr>
       <p:sp>
         <p:nvSpPr>
-          <p:cNvPr id="2" name="1 Título"/>
+          <p:cNvPr id="2" name="Title 1"/>
           <p:cNvSpPr>
             <a:spLocks noGrp="1"/>
           </p:cNvSpPr>
@@ -1868,13 +2003,13 @@
               <a:rPr lang="es-ES" smtClean="0"/>
               <a:t>Haga clic para modificar el estilo de título del patrón</a:t>
             </a:r>
-            <a:endParaRPr lang="es-MX"/>
-          </a:p>
-        </p:txBody>
-      </p:sp>
-      <p:sp>
-        <p:nvSpPr>
-          <p:cNvPr id="3" name="2 Marcador de fecha"/>
+            <a:endParaRPr lang="en-US"/>
+          </a:p>
+        </p:txBody>
+      </p:sp>
+      <p:sp>
+        <p:nvSpPr>
+          <p:cNvPr id="3" name="Date Placeholder 2"/>
           <p:cNvSpPr>
             <a:spLocks noGrp="1"/>
           </p:cNvSpPr>
@@ -1897,7 +2032,7 @@
       </p:sp>
       <p:sp>
         <p:nvSpPr>
-          <p:cNvPr id="4" name="3 Marcador de pie de página"/>
+          <p:cNvPr id="4" name="Footer Placeholder 3"/>
           <p:cNvSpPr>
             <a:spLocks noGrp="1"/>
           </p:cNvSpPr>
@@ -1916,7 +2051,7 @@
       </p:sp>
       <p:sp>
         <p:nvSpPr>
-          <p:cNvPr id="5" name="4 Marcador de número de diapositiva"/>
+          <p:cNvPr id="5" name="Slide Number Placeholder 4"/>
           <p:cNvSpPr>
             <a:spLocks noGrp="1"/>
           </p:cNvSpPr>
@@ -1938,11 +2073,6 @@
         </p:txBody>
       </p:sp>
     </p:spTree>
-    <p:extLst>
-      <p:ext uri="{BB962C8B-B14F-4D97-AF65-F5344CB8AC3E}">
-        <p14:creationId xmlns:p14="http://schemas.microsoft.com/office/powerpoint/2010/main" val="3672654409"/>
-      </p:ext>
-    </p:extLst>
   </p:cSld>
   <p:clrMapOvr>
     <a:masterClrMapping/>
@@ -1969,7 +2099,7 @@
       </p:grpSpPr>
       <p:sp>
         <p:nvSpPr>
-          <p:cNvPr id="2" name="1 Marcador de fecha"/>
+          <p:cNvPr id="2" name="Date Placeholder 1"/>
           <p:cNvSpPr>
             <a:spLocks noGrp="1"/>
           </p:cNvSpPr>
@@ -1992,7 +2122,7 @@
       </p:sp>
       <p:sp>
         <p:nvSpPr>
-          <p:cNvPr id="3" name="2 Marcador de pie de página"/>
+          <p:cNvPr id="3" name="Footer Placeholder 2"/>
           <p:cNvSpPr>
             <a:spLocks noGrp="1"/>
           </p:cNvSpPr>
@@ -2011,7 +2141,7 @@
       </p:sp>
       <p:sp>
         <p:nvSpPr>
-          <p:cNvPr id="4" name="3 Marcador de número de diapositiva"/>
+          <p:cNvPr id="4" name="Slide Number Placeholder 3"/>
           <p:cNvSpPr>
             <a:spLocks noGrp="1"/>
           </p:cNvSpPr>
@@ -2033,11 +2163,6 @@
         </p:txBody>
       </p:sp>
     </p:spTree>
-    <p:extLst>
-      <p:ext uri="{BB962C8B-B14F-4D97-AF65-F5344CB8AC3E}">
-        <p14:creationId xmlns:p14="http://schemas.microsoft.com/office/powerpoint/2010/main" val="1565294779"/>
-      </p:ext>
-    </p:extLst>
   </p:cSld>
   <p:clrMapOvr>
     <a:masterClrMapping/>
@@ -2064,7 +2189,7 @@
       </p:grpSpPr>
       <p:sp>
         <p:nvSpPr>
-          <p:cNvPr id="2" name="1 Título"/>
+          <p:cNvPr id="2" name="Title 1"/>
           <p:cNvSpPr>
             <a:spLocks noGrp="1"/>
           </p:cNvSpPr>
@@ -2074,15 +2199,17 @@
         </p:nvSpPr>
         <p:spPr>
           <a:xfrm>
-            <a:off x="457200" y="273050"/>
-            <a:ext cx="3008313" cy="1162050"/>
+            <a:off x="457200" y="792080"/>
+            <a:ext cx="2139696" cy="1261872"/>
           </a:xfrm>
         </p:spPr>
         <p:txBody>
-          <a:bodyPr anchor="b"/>
+          <a:bodyPr anchor="b">
+            <a:noAutofit/>
+          </a:bodyPr>
           <a:lstStyle>
             <a:lvl1pPr algn="l">
-              <a:defRPr sz="2000" b="1"/>
+              <a:defRPr sz="2400" b="0"/>
             </a:lvl1pPr>
           </a:lstStyle>
           <a:p>
@@ -2090,13 +2217,13 @@
               <a:rPr lang="es-ES" smtClean="0"/>
               <a:t>Haga clic para modificar el estilo de título del patrón</a:t>
             </a:r>
-            <a:endParaRPr lang="es-MX"/>
-          </a:p>
-        </p:txBody>
-      </p:sp>
-      <p:sp>
-        <p:nvSpPr>
-          <p:cNvPr id="3" name="2 Marcador de contenido"/>
+            <a:endParaRPr lang="en-US" dirty="0"/>
+          </a:p>
+        </p:txBody>
+      </p:sp>
+      <p:sp>
+        <p:nvSpPr>
+          <p:cNvPr id="3" name="Content Placeholder 2"/>
           <p:cNvSpPr>
             <a:spLocks noGrp="1"/>
           </p:cNvSpPr>
@@ -2106,8 +2233,8 @@
         </p:nvSpPr>
         <p:spPr>
           <a:xfrm>
-            <a:off x="3575050" y="273050"/>
-            <a:ext cx="5111750" cy="5853113"/>
+            <a:off x="2971800" y="792080"/>
+            <a:ext cx="5715000" cy="5577840"/>
           </a:xfrm>
         </p:spPr>
         <p:txBody>
@@ -2175,13 +2302,13 @@
               <a:rPr lang="es-ES" smtClean="0"/>
               <a:t>Quinto nivel</a:t>
             </a:r>
-            <a:endParaRPr lang="es-MX"/>
-          </a:p>
-        </p:txBody>
-      </p:sp>
-      <p:sp>
-        <p:nvSpPr>
-          <p:cNvPr id="4" name="3 Marcador de texto"/>
+            <a:endParaRPr lang="en-US" dirty="0"/>
+          </a:p>
+        </p:txBody>
+      </p:sp>
+      <p:sp>
+        <p:nvSpPr>
+          <p:cNvPr id="4" name="Text Placeholder 3"/>
           <p:cNvSpPr>
             <a:spLocks noGrp="1"/>
           </p:cNvSpPr>
@@ -2191,8 +2318,8 @@
         </p:nvSpPr>
         <p:spPr>
           <a:xfrm>
-            <a:off x="457200" y="1435100"/>
-            <a:ext cx="3008313" cy="4691063"/>
+            <a:off x="457201" y="2130552"/>
+            <a:ext cx="2139696" cy="4243615"/>
           </a:xfrm>
         </p:spPr>
         <p:txBody>
@@ -2246,7 +2373,7 @@
       </p:sp>
       <p:sp>
         <p:nvSpPr>
-          <p:cNvPr id="5" name="4 Marcador de fecha"/>
+          <p:cNvPr id="5" name="Date Placeholder 4"/>
           <p:cNvSpPr>
             <a:spLocks noGrp="1"/>
           </p:cNvSpPr>
@@ -2269,7 +2396,7 @@
       </p:sp>
       <p:sp>
         <p:nvSpPr>
-          <p:cNvPr id="6" name="5 Marcador de pie de página"/>
+          <p:cNvPr id="6" name="Footer Placeholder 5"/>
           <p:cNvSpPr>
             <a:spLocks noGrp="1"/>
           </p:cNvSpPr>
@@ -2288,7 +2415,7 @@
       </p:sp>
       <p:sp>
         <p:nvSpPr>
-          <p:cNvPr id="7" name="6 Marcador de número de diapositiva"/>
+          <p:cNvPr id="7" name="Slide Number Placeholder 6"/>
           <p:cNvSpPr>
             <a:spLocks noGrp="1"/>
           </p:cNvSpPr>
@@ -2309,12 +2436,42 @@
           </a:p>
         </p:txBody>
       </p:sp>
+      <p:cxnSp>
+        <p:nvCxnSpPr>
+          <p:cNvPr id="9" name="Straight Connector 8"/>
+          <p:cNvCxnSpPr/>
+          <p:nvPr/>
+        </p:nvCxnSpPr>
+        <p:spPr>
+          <a:xfrm rot="5400000">
+            <a:off x="-13116" y="3580206"/>
+            <a:ext cx="5577840" cy="1588"/>
+          </a:xfrm>
+          <a:prstGeom prst="line">
+            <a:avLst/>
+          </a:prstGeom>
+          <a:ln w="19050">
+            <a:solidFill>
+              <a:schemeClr val="tx2"/>
+            </a:solidFill>
+          </a:ln>
+        </p:spPr>
+        <p:style>
+          <a:lnRef idx="1">
+            <a:schemeClr val="accent1"/>
+          </a:lnRef>
+          <a:fillRef idx="0">
+            <a:schemeClr val="accent1"/>
+          </a:fillRef>
+          <a:effectRef idx="0">
+            <a:schemeClr val="accent1"/>
+          </a:effectRef>
+          <a:fontRef idx="minor">
+            <a:schemeClr val="tx1"/>
+          </a:fontRef>
+        </p:style>
+      </p:cxnSp>
     </p:spTree>
-    <p:extLst>
-      <p:ext uri="{BB962C8B-B14F-4D97-AF65-F5344CB8AC3E}">
-        <p14:creationId xmlns:p14="http://schemas.microsoft.com/office/powerpoint/2010/main" val="2432840418"/>
-      </p:ext>
-    </p:extLst>
   </p:cSld>
   <p:clrMapOvr>
     <a:masterClrMapping/>
@@ -2341,7 +2498,7 @@
       </p:grpSpPr>
       <p:sp>
         <p:nvSpPr>
-          <p:cNvPr id="2" name="1 Título"/>
+          <p:cNvPr id="2" name="Title 1"/>
           <p:cNvSpPr>
             <a:spLocks noGrp="1"/>
           </p:cNvSpPr>
@@ -2351,15 +2508,17 @@
         </p:nvSpPr>
         <p:spPr>
           <a:xfrm>
-            <a:off x="1792288" y="4800600"/>
-            <a:ext cx="5486400" cy="566738"/>
+            <a:off x="457200" y="792480"/>
+            <a:ext cx="2142680" cy="1264920"/>
           </a:xfrm>
         </p:spPr>
         <p:txBody>
-          <a:bodyPr anchor="b"/>
+          <a:bodyPr anchor="b">
+            <a:normAutofit/>
+          </a:bodyPr>
           <a:lstStyle>
             <a:lvl1pPr algn="l">
-              <a:defRPr sz="2000" b="1"/>
+              <a:defRPr sz="2400" b="0"/>
             </a:lvl1pPr>
           </a:lstStyle>
           <a:p>
@@ -2367,13 +2526,13 @@
               <a:rPr lang="es-ES" smtClean="0"/>
               <a:t>Haga clic para modificar el estilo de título del patrón</a:t>
             </a:r>
-            <a:endParaRPr lang="es-MX"/>
-          </a:p>
-        </p:txBody>
-      </p:sp>
-      <p:sp>
-        <p:nvSpPr>
-          <p:cNvPr id="3" name="2 Marcador de posición de imagen"/>
+            <a:endParaRPr lang="en-US" dirty="0"/>
+          </a:p>
+        </p:txBody>
+      </p:sp>
+      <p:sp>
+        <p:nvSpPr>
+          <p:cNvPr id="3" name="Picture Placeholder 2"/>
           <p:cNvSpPr>
             <a:spLocks noGrp="1"/>
           </p:cNvSpPr>
@@ -2383,9 +2542,25 @@
         </p:nvSpPr>
         <p:spPr>
           <a:xfrm>
-            <a:off x="1792288" y="612775"/>
-            <a:ext cx="5486400" cy="4114800"/>
+            <a:off x="2858610" y="838201"/>
+            <a:ext cx="5904390" cy="5500456"/>
           </a:xfrm>
+          <a:solidFill>
+            <a:schemeClr val="bg2"/>
+          </a:solidFill>
+          <a:ln w="76200">
+            <a:solidFill>
+              <a:srgbClr val="FFFFFF"/>
+            </a:solidFill>
+            <a:miter lim="800000"/>
+          </a:ln>
+          <a:effectLst>
+            <a:outerShdw blurRad="50800" dist="12700" dir="5400000" algn="t" rotWithShape="0">
+              <a:prstClr val="black">
+                <a:alpha val="59000"/>
+              </a:prstClr>
+            </a:outerShdw>
+          </a:effectLst>
         </p:spPr>
         <p:txBody>
           <a:bodyPr/>
@@ -2428,13 +2603,17 @@
             </a:lvl9pPr>
           </a:lstStyle>
           <a:p>
-            <a:endParaRPr lang="es-MX"/>
-          </a:p>
-        </p:txBody>
-      </p:sp>
-      <p:sp>
-        <p:nvSpPr>
-          <p:cNvPr id="4" name="3 Marcador de texto"/>
+            <a:r>
+              <a:rPr lang="es-ES" smtClean="0"/>
+              <a:t>Haga clic en el icono para agregar una imagen</a:t>
+            </a:r>
+            <a:endParaRPr lang="en-US" dirty="0"/>
+          </a:p>
+        </p:txBody>
+      </p:sp>
+      <p:sp>
+        <p:nvSpPr>
+          <p:cNvPr id="4" name="Text Placeholder 3"/>
           <p:cNvSpPr>
             <a:spLocks noGrp="1"/>
           </p:cNvSpPr>
@@ -2444,8 +2623,8 @@
         </p:nvSpPr>
         <p:spPr>
           <a:xfrm>
-            <a:off x="1792288" y="5367338"/>
-            <a:ext cx="5486400" cy="804862"/>
+            <a:off x="457200" y="2133600"/>
+            <a:ext cx="2139696" cy="4242816"/>
           </a:xfrm>
         </p:spPr>
         <p:txBody>
@@ -2499,7 +2678,7 @@
       </p:sp>
       <p:sp>
         <p:nvSpPr>
-          <p:cNvPr id="5" name="4 Marcador de fecha"/>
+          <p:cNvPr id="5" name="Date Placeholder 4"/>
           <p:cNvSpPr>
             <a:spLocks noGrp="1"/>
           </p:cNvSpPr>
@@ -2522,7 +2701,7 @@
       </p:sp>
       <p:sp>
         <p:nvSpPr>
-          <p:cNvPr id="6" name="5 Marcador de pie de página"/>
+          <p:cNvPr id="6" name="Footer Placeholder 5"/>
           <p:cNvSpPr>
             <a:spLocks noGrp="1"/>
           </p:cNvSpPr>
@@ -2541,7 +2720,7 @@
       </p:sp>
       <p:sp>
         <p:nvSpPr>
-          <p:cNvPr id="7" name="6 Marcador de número de diapositiva"/>
+          <p:cNvPr id="7" name="Slide Number Placeholder 6"/>
           <p:cNvSpPr>
             <a:spLocks noGrp="1"/>
           </p:cNvSpPr>
@@ -2563,11 +2742,6 @@
         </p:txBody>
       </p:sp>
     </p:spTree>
-    <p:extLst>
-      <p:ext uri="{BB962C8B-B14F-4D97-AF65-F5344CB8AC3E}">
-        <p14:creationId xmlns:p14="http://schemas.microsoft.com/office/powerpoint/2010/main" val="767232559"/>
-      </p:ext>
-    </p:extLst>
   </p:cSld>
   <p:clrMapOvr>
     <a:masterClrMapping/>
@@ -2599,18 +2773,64 @@
       </p:grpSpPr>
       <p:sp>
         <p:nvSpPr>
-          <p:cNvPr id="2" name="1 Marcador de título"/>
-          <p:cNvSpPr>
-            <a:spLocks noGrp="1"/>
-          </p:cNvSpPr>
-          <p:nvPr>
-            <p:ph type="title"/>
-          </p:nvPr>
+          <p:cNvPr id="10" name="Rectangle 9"/>
+          <p:cNvSpPr/>
+          <p:nvPr/>
         </p:nvSpPr>
         <p:spPr>
           <a:xfrm>
-            <a:off x="457200" y="274638"/>
-            <a:ext cx="8229600" cy="1143000"/>
+            <a:off x="0" y="220786"/>
+            <a:ext cx="9144000" cy="228600"/>
+          </a:xfrm>
+          <a:prstGeom prst="rect">
+            <a:avLst/>
+          </a:prstGeom>
+          <a:solidFill>
+            <a:srgbClr val="FFFFFF"/>
+          </a:solidFill>
+          <a:ln>
+            <a:noFill/>
+          </a:ln>
+        </p:spPr>
+        <p:style>
+          <a:lnRef idx="2">
+            <a:schemeClr val="accent1">
+              <a:shade val="50000"/>
+            </a:schemeClr>
+          </a:lnRef>
+          <a:fillRef idx="1">
+            <a:schemeClr val="accent1"/>
+          </a:fillRef>
+          <a:effectRef idx="0">
+            <a:schemeClr val="accent1"/>
+          </a:effectRef>
+          <a:fontRef idx="minor">
+            <a:schemeClr val="lt1"/>
+          </a:fontRef>
+        </p:style>
+        <p:txBody>
+          <a:bodyPr rtlCol="0" anchor="ctr"/>
+          <a:lstStyle/>
+          <a:p>
+            <a:pPr algn="ctr"/>
+            <a:endParaRPr lang="en-US"/>
+          </a:p>
+        </p:txBody>
+      </p:sp>
+      <p:sp>
+        <p:nvSpPr>
+          <p:cNvPr id="2" name="Title Placeholder 1"/>
+          <p:cNvSpPr>
+            <a:spLocks noGrp="1"/>
+          </p:cNvSpPr>
+          <p:nvPr>
+            <p:ph type="title"/>
+          </p:nvPr>
+        </p:nvSpPr>
+        <p:spPr>
+          <a:xfrm>
+            <a:off x="457200" y="533400"/>
+            <a:ext cx="8229600" cy="990600"/>
           </a:xfrm>
           <a:prstGeom prst="rect">
             <a:avLst/>
@@ -2626,13 +2846,13 @@
               <a:rPr lang="es-ES" smtClean="0"/>
               <a:t>Haga clic para modificar el estilo de título del patrón</a:t>
             </a:r>
-            <a:endParaRPr lang="es-MX"/>
-          </a:p>
-        </p:txBody>
-      </p:sp>
-      <p:sp>
-        <p:nvSpPr>
-          <p:cNvPr id="3" name="2 Marcador de texto"/>
+            <a:endParaRPr lang="en-US" dirty="0"/>
+          </a:p>
+        </p:txBody>
+      </p:sp>
+      <p:sp>
+        <p:nvSpPr>
+          <p:cNvPr id="3" name="Text Placeholder 2"/>
           <p:cNvSpPr>
             <a:spLocks noGrp="1"/>
           </p:cNvSpPr>
@@ -2643,7 +2863,7 @@
         <p:spPr>
           <a:xfrm>
             <a:off x="457200" y="1600200"/>
-            <a:ext cx="8229600" cy="4525963"/>
+            <a:ext cx="8229600" cy="4876800"/>
           </a:xfrm>
           <a:prstGeom prst="rect">
             <a:avLst/>
@@ -2688,24 +2908,70 @@
               <a:rPr lang="es-ES" smtClean="0"/>
               <a:t>Quinto nivel</a:t>
             </a:r>
-            <a:endParaRPr lang="es-MX"/>
-          </a:p>
-        </p:txBody>
-      </p:sp>
-      <p:sp>
-        <p:nvSpPr>
-          <p:cNvPr id="4" name="3 Marcador de fecha"/>
-          <p:cNvSpPr>
-            <a:spLocks noGrp="1"/>
-          </p:cNvSpPr>
-          <p:nvPr>
-            <p:ph type="dt" sz="half" idx="2"/>
-          </p:nvPr>
+            <a:endParaRPr lang="en-US" dirty="0"/>
+          </a:p>
+        </p:txBody>
+      </p:sp>
+      <p:sp>
+        <p:nvSpPr>
+          <p:cNvPr id="7" name="Rectangle 6"/>
+          <p:cNvSpPr/>
+          <p:nvPr/>
         </p:nvSpPr>
         <p:spPr>
           <a:xfrm>
-            <a:off x="457200" y="6356350"/>
-            <a:ext cx="2133600" cy="365125"/>
+            <a:off x="0" y="0"/>
+            <a:ext cx="9144000" cy="365760"/>
+          </a:xfrm>
+          <a:prstGeom prst="rect">
+            <a:avLst/>
+          </a:prstGeom>
+          <a:solidFill>
+            <a:schemeClr val="accent1"/>
+          </a:solidFill>
+          <a:ln>
+            <a:noFill/>
+          </a:ln>
+        </p:spPr>
+        <p:style>
+          <a:lnRef idx="2">
+            <a:schemeClr val="accent1">
+              <a:shade val="50000"/>
+            </a:schemeClr>
+          </a:lnRef>
+          <a:fillRef idx="1">
+            <a:schemeClr val="accent1"/>
+          </a:fillRef>
+          <a:effectRef idx="0">
+            <a:schemeClr val="accent1"/>
+          </a:effectRef>
+          <a:fontRef idx="minor">
+            <a:schemeClr val="lt1"/>
+          </a:fontRef>
+        </p:style>
+        <p:txBody>
+          <a:bodyPr rtlCol="0" anchor="ctr"/>
+          <a:lstStyle/>
+          <a:p>
+            <a:pPr algn="ctr"/>
+            <a:endParaRPr lang="en-US"/>
+          </a:p>
+        </p:txBody>
+      </p:sp>
+      <p:sp>
+        <p:nvSpPr>
+          <p:cNvPr id="4" name="Date Placeholder 3"/>
+          <p:cNvSpPr>
+            <a:spLocks noGrp="1"/>
+          </p:cNvSpPr>
+          <p:nvPr>
+            <p:ph type="dt" sz="half" idx="2"/>
+          </p:nvPr>
+        </p:nvSpPr>
+        <p:spPr>
+          <a:xfrm>
+            <a:off x="457200" y="18288"/>
+            <a:ext cx="2895600" cy="329184"/>
           </a:xfrm>
           <a:prstGeom prst="rect">
             <a:avLst/>
@@ -2717,9 +2983,7 @@
             <a:lvl1pPr algn="l">
               <a:defRPr sz="1200">
                 <a:solidFill>
-                  <a:schemeClr val="tx1">
-                    <a:tint val="75000"/>
-                  </a:schemeClr>
+                  <a:srgbClr val="FFFFFF"/>
                 </a:solidFill>
               </a:defRPr>
             </a:lvl1pPr>
@@ -2735,7 +2999,7 @@
       </p:sp>
       <p:sp>
         <p:nvSpPr>
-          <p:cNvPr id="5" name="4 Marcador de pie de página"/>
+          <p:cNvPr id="5" name="Footer Placeholder 4"/>
           <p:cNvSpPr>
             <a:spLocks noGrp="1"/>
           </p:cNvSpPr>
@@ -2745,8 +3009,8 @@
         </p:nvSpPr>
         <p:spPr>
           <a:xfrm>
-            <a:off x="3124200" y="6356350"/>
-            <a:ext cx="2895600" cy="365125"/>
+            <a:off x="3429000" y="18288"/>
+            <a:ext cx="4114800" cy="329184"/>
           </a:xfrm>
           <a:prstGeom prst="rect">
             <a:avLst/>
@@ -2758,9 +3022,7 @@
             <a:lvl1pPr algn="ctr">
               <a:defRPr sz="1200">
                 <a:solidFill>
-                  <a:schemeClr val="tx1">
-                    <a:tint val="75000"/>
-                  </a:schemeClr>
+                  <a:srgbClr val="FFFFFF"/>
                 </a:solidFill>
               </a:defRPr>
             </a:lvl1pPr>
@@ -2772,7 +3034,7 @@
       </p:sp>
       <p:sp>
         <p:nvSpPr>
-          <p:cNvPr id="6" name="5 Marcador de número de diapositiva"/>
+          <p:cNvPr id="6" name="Slide Number Placeholder 5"/>
           <p:cNvSpPr>
             <a:spLocks noGrp="1"/>
           </p:cNvSpPr>
@@ -2782,8 +3044,8 @@
         </p:nvSpPr>
         <p:spPr>
           <a:xfrm>
-            <a:off x="6553200" y="6356350"/>
-            <a:ext cx="2133600" cy="365125"/>
+            <a:off x="7620000" y="18288"/>
+            <a:ext cx="1066800" cy="329184"/>
           </a:xfrm>
           <a:prstGeom prst="rect">
             <a:avLst/>
@@ -2792,12 +3054,10 @@
         <p:txBody>
           <a:bodyPr vert="horz" lIns="91440" tIns="45720" rIns="91440" bIns="45720" rtlCol="0" anchor="ctr"/>
           <a:lstStyle>
-            <a:lvl1pPr algn="r">
-              <a:defRPr sz="1200">
+            <a:lvl1pPr algn="l">
+              <a:defRPr sz="1400" b="1">
                 <a:solidFill>
-                  <a:schemeClr val="tx1">
-                    <a:tint val="75000"/>
-                  </a:schemeClr>
+                  <a:srgbClr val="FFFFFF"/>
                 </a:solidFill>
               </a:defRPr>
             </a:lvl1pPr>
@@ -2812,36 +3072,31 @@
         </p:txBody>
       </p:sp>
     </p:spTree>
-    <p:extLst>
-      <p:ext uri="{BB962C8B-B14F-4D97-AF65-F5344CB8AC3E}">
-        <p14:creationId xmlns:p14="http://schemas.microsoft.com/office/powerpoint/2010/main" val="701572329"/>
-      </p:ext>
-    </p:extLst>
   </p:cSld>
   <p:clrMap bg1="lt1" tx1="dk1" bg2="lt2" tx2="dk2" accent1="accent1" accent2="accent2" accent3="accent3" accent4="accent4" accent5="accent5" accent6="accent6" hlink="hlink" folHlink="folHlink"/>
   <p:sldLayoutIdLst>
-    <p:sldLayoutId id="2147483649" r:id="rId1"/>
-    <p:sldLayoutId id="2147483650" r:id="rId2"/>
-    <p:sldLayoutId id="2147483651" r:id="rId3"/>
-    <p:sldLayoutId id="2147483652" r:id="rId4"/>
-    <p:sldLayoutId id="2147483653" r:id="rId5"/>
-    <p:sldLayoutId id="2147483654" r:id="rId6"/>
-    <p:sldLayoutId id="2147483655" r:id="rId7"/>
-    <p:sldLayoutId id="2147483656" r:id="rId8"/>
-    <p:sldLayoutId id="2147483657" r:id="rId9"/>
-    <p:sldLayoutId id="2147483658" r:id="rId10"/>
-    <p:sldLayoutId id="2147483659" r:id="rId11"/>
+    <p:sldLayoutId id="2147483673" r:id="rId1"/>
+    <p:sldLayoutId id="2147483674" r:id="rId2"/>
+    <p:sldLayoutId id="2147483675" r:id="rId3"/>
+    <p:sldLayoutId id="2147483676" r:id="rId4"/>
+    <p:sldLayoutId id="2147483677" r:id="rId5"/>
+    <p:sldLayoutId id="2147483678" r:id="rId6"/>
+    <p:sldLayoutId id="2147483679" r:id="rId7"/>
+    <p:sldLayoutId id="2147483680" r:id="rId8"/>
+    <p:sldLayoutId id="2147483681" r:id="rId9"/>
+    <p:sldLayoutId id="2147483682" r:id="rId10"/>
+    <p:sldLayoutId id="2147483683" r:id="rId11"/>
   </p:sldLayoutIdLst>
   <p:txStyles>
     <p:titleStyle>
-      <a:lvl1pPr algn="ctr" defTabSz="914400" rtl="0" eaLnBrk="1" latinLnBrk="0" hangingPunct="1">
+      <a:lvl1pPr algn="l" defTabSz="914400" rtl="0" eaLnBrk="1" latinLnBrk="0" hangingPunct="1">
         <a:spcBef>
           <a:spcPct val="0"/>
         </a:spcBef>
         <a:buNone/>
-        <a:defRPr sz="4400" kern="1200">
+        <a:defRPr sz="4000" kern="1200" spc="-100" baseline="0">
           <a:solidFill>
-            <a:schemeClr val="tx1"/>
+            <a:schemeClr val="tx2"/>
           </a:solidFill>
           <a:latin typeface="+mj-lt"/>
           <a:ea typeface="+mj-ea"/>
@@ -2850,40 +3105,14 @@
       </a:lvl1pPr>
     </p:titleStyle>
     <p:bodyStyle>
-      <a:lvl1pPr marL="342900" indent="-342900" algn="l" defTabSz="914400" rtl="0" eaLnBrk="1" latinLnBrk="0" hangingPunct="1">
+      <a:lvl1pPr marL="182880" indent="-182880" algn="l" defTabSz="914400" rtl="0" eaLnBrk="1" latinLnBrk="0" hangingPunct="1">
         <a:spcBef>
           <a:spcPct val="20000"/>
         </a:spcBef>
-        <a:buFont typeface="Arial" pitchFamily="34" charset="0"/>
-        <a:buChar char="•"/>
-        <a:defRPr sz="3200" kern="1200">
-          <a:solidFill>
-            <a:schemeClr val="tx1"/>
-          </a:solidFill>
-          <a:latin typeface="+mn-lt"/>
-          <a:ea typeface="+mn-ea"/>
-          <a:cs typeface="+mn-cs"/>
-        </a:defRPr>
-      </a:lvl1pPr>
-      <a:lvl2pPr marL="742950" indent="-285750" algn="l" defTabSz="914400" rtl="0" eaLnBrk="1" latinLnBrk="0" hangingPunct="1">
-        <a:spcBef>
-          <a:spcPct val="20000"/>
-        </a:spcBef>
-        <a:buFont typeface="Arial" pitchFamily="34" charset="0"/>
-        <a:buChar char="–"/>
-        <a:defRPr sz="2800" kern="1200">
-          <a:solidFill>
-            <a:schemeClr val="tx1"/>
-          </a:solidFill>
-          <a:latin typeface="+mn-lt"/>
-          <a:ea typeface="+mn-ea"/>
-          <a:cs typeface="+mn-cs"/>
-        </a:defRPr>
-      </a:lvl2pPr>
-      <a:lvl3pPr marL="1143000" indent="-228600" algn="l" defTabSz="914400" rtl="0" eaLnBrk="1" latinLnBrk="0" hangingPunct="1">
-        <a:spcBef>
-          <a:spcPct val="20000"/>
-        </a:spcBef>
+        <a:buClr>
+          <a:schemeClr val="accent1"/>
+        </a:buClr>
+        <a:buSzPct val="85000"/>
         <a:buFont typeface="Arial" pitchFamily="34" charset="0"/>
         <a:buChar char="•"/>
         <a:defRPr sz="2400" kern="1200">
@@ -2894,41 +3123,15 @@
           <a:ea typeface="+mn-ea"/>
           <a:cs typeface="+mn-cs"/>
         </a:defRPr>
-      </a:lvl3pPr>
-      <a:lvl4pPr marL="1600200" indent="-228600" algn="l" defTabSz="914400" rtl="0" eaLnBrk="1" latinLnBrk="0" hangingPunct="1">
+      </a:lvl1pPr>
+      <a:lvl2pPr marL="457200" indent="-182880" algn="l" defTabSz="914400" rtl="0" eaLnBrk="1" latinLnBrk="0" hangingPunct="1">
         <a:spcBef>
           <a:spcPct val="20000"/>
         </a:spcBef>
-        <a:buFont typeface="Arial" pitchFamily="34" charset="0"/>
-        <a:buChar char="–"/>
-        <a:defRPr sz="2000" kern="1200">
-          <a:solidFill>
-            <a:schemeClr val="tx1"/>
-          </a:solidFill>
-          <a:latin typeface="+mn-lt"/>
-          <a:ea typeface="+mn-ea"/>
-          <a:cs typeface="+mn-cs"/>
-        </a:defRPr>
-      </a:lvl4pPr>
-      <a:lvl5pPr marL="2057400" indent="-228600" algn="l" defTabSz="914400" rtl="0" eaLnBrk="1" latinLnBrk="0" hangingPunct="1">
-        <a:spcBef>
-          <a:spcPct val="20000"/>
-        </a:spcBef>
-        <a:buFont typeface="Arial" pitchFamily="34" charset="0"/>
-        <a:buChar char="»"/>
-        <a:defRPr sz="2000" kern="1200">
-          <a:solidFill>
-            <a:schemeClr val="tx1"/>
-          </a:solidFill>
-          <a:latin typeface="+mn-lt"/>
-          <a:ea typeface="+mn-ea"/>
-          <a:cs typeface="+mn-cs"/>
-        </a:defRPr>
-      </a:lvl5pPr>
-      <a:lvl6pPr marL="2514600" indent="-228600" algn="l" defTabSz="914400" rtl="0" eaLnBrk="1" latinLnBrk="0" hangingPunct="1">
-        <a:spcBef>
-          <a:spcPct val="20000"/>
-        </a:spcBef>
+        <a:buClr>
+          <a:schemeClr val="accent1"/>
+        </a:buClr>
+        <a:buSzPct val="85000"/>
         <a:buFont typeface="Arial" pitchFamily="34" charset="0"/>
         <a:buChar char="•"/>
         <a:defRPr sz="2000" kern="1200">
@@ -2939,14 +3142,91 @@
           <a:ea typeface="+mn-ea"/>
           <a:cs typeface="+mn-cs"/>
         </a:defRPr>
-      </a:lvl6pPr>
-      <a:lvl7pPr marL="2971800" indent="-228600" algn="l" defTabSz="914400" rtl="0" eaLnBrk="1" latinLnBrk="0" hangingPunct="1">
+      </a:lvl2pPr>
+      <a:lvl3pPr marL="731520" indent="-182880" algn="l" defTabSz="914400" rtl="0" eaLnBrk="1" latinLnBrk="0" hangingPunct="1">
         <a:spcBef>
           <a:spcPct val="20000"/>
         </a:spcBef>
+        <a:buClr>
+          <a:schemeClr val="accent1"/>
+        </a:buClr>
+        <a:buSzPct val="90000"/>
         <a:buFont typeface="Arial" pitchFamily="34" charset="0"/>
         <a:buChar char="•"/>
-        <a:defRPr sz="2000" kern="1200">
+        <a:defRPr sz="1800" kern="1200">
+          <a:solidFill>
+            <a:schemeClr val="tx1"/>
+          </a:solidFill>
+          <a:latin typeface="+mn-lt"/>
+          <a:ea typeface="+mn-ea"/>
+          <a:cs typeface="+mn-cs"/>
+        </a:defRPr>
+      </a:lvl3pPr>
+      <a:lvl4pPr marL="1005840" indent="-182880" algn="l" defTabSz="914400" rtl="0" eaLnBrk="1" latinLnBrk="0" hangingPunct="1">
+        <a:spcBef>
+          <a:spcPct val="20000"/>
+        </a:spcBef>
+        <a:buClr>
+          <a:schemeClr val="accent1"/>
+        </a:buClr>
+        <a:buFont typeface="Arial" pitchFamily="34" charset="0"/>
+        <a:buChar char="•"/>
+        <a:defRPr sz="1600" kern="1200">
+          <a:solidFill>
+            <a:schemeClr val="tx1"/>
+          </a:solidFill>
+          <a:latin typeface="+mn-lt"/>
+          <a:ea typeface="+mn-ea"/>
+          <a:cs typeface="+mn-cs"/>
+        </a:defRPr>
+      </a:lvl4pPr>
+      <a:lvl5pPr marL="1188720" indent="-137160" algn="l" defTabSz="914400" rtl="0" eaLnBrk="1" latinLnBrk="0" hangingPunct="1">
+        <a:spcBef>
+          <a:spcPct val="20000"/>
+        </a:spcBef>
+        <a:buClr>
+          <a:schemeClr val="accent1"/>
+        </a:buClr>
+        <a:buSzPct val="100000"/>
+        <a:buFont typeface="Arial" pitchFamily="34" charset="0"/>
+        <a:buChar char="•"/>
+        <a:defRPr sz="1400" kern="1200" baseline="0">
+          <a:solidFill>
+            <a:schemeClr val="tx1"/>
+          </a:solidFill>
+          <a:latin typeface="+mn-lt"/>
+          <a:ea typeface="+mn-ea"/>
+          <a:cs typeface="+mn-cs"/>
+        </a:defRPr>
+      </a:lvl5pPr>
+      <a:lvl6pPr marL="1371600" indent="-182880" algn="l" defTabSz="914400" rtl="0" eaLnBrk="1" latinLnBrk="0" hangingPunct="1">
+        <a:spcBef>
+          <a:spcPct val="20000"/>
+        </a:spcBef>
+        <a:buClr>
+          <a:schemeClr val="accent1"/>
+        </a:buClr>
+        <a:buFont typeface="Arial" pitchFamily="34" charset="0"/>
+        <a:buChar char="•"/>
+        <a:defRPr sz="1300" kern="1200">
+          <a:solidFill>
+            <a:schemeClr val="tx1"/>
+          </a:solidFill>
+          <a:latin typeface="+mn-lt"/>
+          <a:ea typeface="+mn-ea"/>
+          <a:cs typeface="+mn-cs"/>
+        </a:defRPr>
+      </a:lvl6pPr>
+      <a:lvl7pPr marL="1554480" indent="-182880" algn="l" defTabSz="914400" rtl="0" eaLnBrk="1" latinLnBrk="0" hangingPunct="1">
+        <a:spcBef>
+          <a:spcPct val="20000"/>
+        </a:spcBef>
+        <a:buClr>
+          <a:schemeClr val="accent1"/>
+        </a:buClr>
+        <a:buFont typeface="Arial" pitchFamily="34" charset="0"/>
+        <a:buChar char="•"/>
+        <a:defRPr sz="1300" kern="1200">
           <a:solidFill>
             <a:schemeClr val="tx1"/>
           </a:solidFill>
@@ -2955,13 +3235,16 @@
           <a:cs typeface="+mn-cs"/>
         </a:defRPr>
       </a:lvl7pPr>
-      <a:lvl8pPr marL="3429000" indent="-228600" algn="l" defTabSz="914400" rtl="0" eaLnBrk="1" latinLnBrk="0" hangingPunct="1">
+      <a:lvl8pPr marL="1737360" indent="-182880" algn="l" defTabSz="914400" rtl="0" eaLnBrk="1" latinLnBrk="0" hangingPunct="1">
         <a:spcBef>
           <a:spcPct val="20000"/>
         </a:spcBef>
+        <a:buClr>
+          <a:schemeClr val="accent1"/>
+        </a:buClr>
         <a:buFont typeface="Arial" pitchFamily="34" charset="0"/>
         <a:buChar char="•"/>
-        <a:defRPr sz="2000" kern="1200">
+        <a:defRPr sz="1300" kern="1200">
           <a:solidFill>
             <a:schemeClr val="tx1"/>
           </a:solidFill>
@@ -2970,13 +3253,16 @@
           <a:cs typeface="+mn-cs"/>
         </a:defRPr>
       </a:lvl8pPr>
-      <a:lvl9pPr marL="3886200" indent="-228600" algn="l" defTabSz="914400" rtl="0" eaLnBrk="1" latinLnBrk="0" hangingPunct="1">
+      <a:lvl9pPr marL="1920240" indent="-182880" algn="l" defTabSz="914400" rtl="0" eaLnBrk="1" latinLnBrk="0" hangingPunct="1">
         <a:spcBef>
           <a:spcPct val="20000"/>
         </a:spcBef>
+        <a:buClr>
+          <a:schemeClr val="accent1"/>
+        </a:buClr>
         <a:buFont typeface="Arial" pitchFamily="34" charset="0"/>
         <a:buChar char="•"/>
-        <a:defRPr sz="2000" kern="1200">
+        <a:defRPr sz="1300" kern="1200">
           <a:solidFill>
             <a:schemeClr val="tx1"/>
           </a:solidFill>
@@ -2988,7 +3274,7 @@
     </p:bodyStyle>
     <p:otherStyle>
       <a:defPPr>
-        <a:defRPr lang="es-MX"/>
+        <a:defRPr lang="en-US"/>
       </a:defPPr>
       <a:lvl1pPr marL="0" algn="l" defTabSz="914400" rtl="0" eaLnBrk="1" latinLnBrk="0" hangingPunct="1">
         <a:defRPr sz="1800" kern="1200">
@@ -3121,7 +3407,66 @@
               <a:rPr lang="es-MX" dirty="0" smtClean="0"/>
               <a:t>JPPF</a:t>
             </a:r>
-            <a:endParaRPr lang="es-MX" dirty="0"/>
+            <a:br>
+              <a:rPr lang="es-MX" dirty="0" smtClean="0"/>
+            </a:br>
+            <a:r>
+              <a:rPr lang="es-MX" sz="2800" dirty="0" smtClean="0">
+                <a:solidFill>
+                  <a:schemeClr val="bg2">
+                    <a:lumMod val="75000"/>
+                  </a:schemeClr>
+                </a:solidFill>
+              </a:rPr>
+              <a:t>Java </a:t>
+            </a:r>
+            <a:r>
+              <a:rPr lang="es-MX" sz="2800" dirty="0" err="1" smtClean="0">
+                <a:solidFill>
+                  <a:schemeClr val="bg2">
+                    <a:lumMod val="75000"/>
+                  </a:schemeClr>
+                </a:solidFill>
+              </a:rPr>
+              <a:t>Parallel</a:t>
+            </a:r>
+            <a:r>
+              <a:rPr lang="es-MX" sz="2800" dirty="0">
+                <a:solidFill>
+                  <a:schemeClr val="bg2">
+                    <a:lumMod val="75000"/>
+                  </a:schemeClr>
+                </a:solidFill>
+              </a:rPr>
+              <a:t> </a:t>
+            </a:r>
+            <a:r>
+              <a:rPr lang="es-MX" sz="2800" dirty="0" err="1" smtClean="0">
+                <a:solidFill>
+                  <a:schemeClr val="bg2">
+                    <a:lumMod val="75000"/>
+                  </a:schemeClr>
+                </a:solidFill>
+              </a:rPr>
+              <a:t>Proccesing</a:t>
+            </a:r>
+            <a:r>
+              <a:rPr lang="es-MX" sz="2800" dirty="0" smtClean="0">
+                <a:solidFill>
+                  <a:schemeClr val="bg2">
+                    <a:lumMod val="75000"/>
+                  </a:schemeClr>
+                </a:solidFill>
+              </a:rPr>
+              <a:t>  Framework</a:t>
+            </a:r>
+            <a:endParaRPr lang="es-MX" dirty="0">
+              <a:solidFill>
+                <a:schemeClr val="bg2">
+                  <a:lumMod val="75000"/>
+                </a:schemeClr>
+              </a:solidFill>
+            </a:endParaRPr>
           </a:p>
         </p:txBody>
       </p:sp>
@@ -3140,6 +3485,10 @@
           <a:bodyPr/>
           <a:lstStyle/>
           <a:p>
+            <a:r>
+              <a:rPr lang="es-MX" dirty="0" smtClean="0"/>
+              <a:t>Sistemas distribuidos</a:t>
+            </a:r>
             <a:endParaRPr lang="es-MX" dirty="0"/>
           </a:p>
         </p:txBody>
@@ -3148,6 +3497,87 @@
     <p:extLst>
       <p:ext uri="{BB962C8B-B14F-4D97-AF65-F5344CB8AC3E}">
         <p14:creationId xmlns:p14="http://schemas.microsoft.com/office/powerpoint/2010/main" val="2614934101"/>
+      </p:ext>
+    </p:extLst>
+  </p:cSld>
+  <p:clrMapOvr>
+    <a:masterClrMapping/>
+  </p:clrMapOvr>
+  <p:timing>
+    <p:tnLst>
+      <p:par>
+        <p:cTn id="1" dur="indefinite" restart="never" nodeType="tmRoot"/>
+      </p:par>
+    </p:tnLst>
+  </p:timing>
+</p:sld>
+</file>
+
+<file path=ppt/slides/slide10.xml><?xml version="1.0" encoding="utf-8"?>
+<p:sld xmlns:a="http://schemas.openxmlformats.org/drawingml/2006/main" xmlns:r="http://schemas.openxmlformats.org/officeDocument/2006/relationships" xmlns:p="http://schemas.openxmlformats.org/presentationml/2006/main">
+  <p:cSld>
+    <p:spTree>
+      <p:nvGrpSpPr>
+        <p:cNvPr id="1" name=""/>
+        <p:cNvGrpSpPr/>
+        <p:nvPr/>
+      </p:nvGrpSpPr>
+      <p:grpSpPr>
+        <a:xfrm>
+          <a:off x="0" y="0"/>
+          <a:ext cx="0" cy="0"/>
+          <a:chOff x="0" y="0"/>
+          <a:chExt cx="0" cy="0"/>
+        </a:xfrm>
+      </p:grpSpPr>
+      <p:sp>
+        <p:nvSpPr>
+          <p:cNvPr id="2" name="1 Título"/>
+          <p:cNvSpPr>
+            <a:spLocks noGrp="1"/>
+          </p:cNvSpPr>
+          <p:nvPr>
+            <p:ph type="title"/>
+          </p:nvPr>
+        </p:nvSpPr>
+        <p:spPr/>
+        <p:txBody>
+          <a:bodyPr>
+            <a:normAutofit fontScale="90000"/>
+          </a:bodyPr>
+          <a:lstStyle/>
+          <a:p>
+            <a:r>
+              <a:rPr lang="es-MX" dirty="0" smtClean="0"/>
+              <a:t>Representación visual del tráfico en la red</a:t>
+            </a:r>
+            <a:endParaRPr lang="es-MX" dirty="0"/>
+          </a:p>
+        </p:txBody>
+      </p:sp>
+      <p:sp>
+        <p:nvSpPr>
+          <p:cNvPr id="3" name="2 Marcador de contenido"/>
+          <p:cNvSpPr>
+            <a:spLocks noGrp="1"/>
+          </p:cNvSpPr>
+          <p:nvPr>
+            <p:ph idx="1"/>
+          </p:nvPr>
+        </p:nvSpPr>
+        <p:spPr/>
+        <p:txBody>
+          <a:bodyPr/>
+          <a:lstStyle/>
+          <a:p>
+            <a:endParaRPr lang="es-MX"/>
+          </a:p>
+        </p:txBody>
+      </p:sp>
+    </p:spTree>
+    <p:extLst>
+      <p:ext uri="{BB962C8B-B14F-4D97-AF65-F5344CB8AC3E}">
+        <p14:creationId xmlns:p14="http://schemas.microsoft.com/office/powerpoint/2010/main" val="2408136318"/>
       </p:ext>
     </p:extLst>
   </p:cSld>
@@ -3219,6 +3649,16 @@
           <a:bodyPr/>
           <a:lstStyle/>
           <a:p>
+            <a:r>
+              <a:rPr lang="es-MX" dirty="0" smtClean="0"/>
+              <a:t>JPPF ejecuta tareas con una gran demanda de procesamiento en diferentes equipos con el fin de reducir tiempos.</a:t>
+            </a:r>
+          </a:p>
+          <a:p>
+            <a:r>
+              <a:rPr lang="es-MX" dirty="0" smtClean="0"/>
+              <a:t>Las aplicaciones se dividen en partes más pequeñas y son ejecutadas simultáneamente en diferentes máquinas.</a:t>
+            </a:r>
             <a:endParaRPr lang="es-MX" dirty="0"/>
           </a:p>
         </p:txBody>
@@ -3277,7 +3717,7 @@
           <a:p>
             <a:r>
               <a:rPr lang="es-MX" dirty="0" smtClean="0"/>
-              <a:t>Arquitecturas (Diseño)</a:t>
+              <a:t>¿Cómo funciona?</a:t>
             </a:r>
             <a:endParaRPr lang="es-MX" dirty="0"/>
           </a:p>
@@ -3298,6 +3738,77 @@
           <a:bodyPr/>
           <a:lstStyle/>
           <a:p>
+            <a:r>
+              <a:rPr lang="es-MX" b="1" dirty="0" smtClean="0"/>
+              <a:t>Divide una aplicación en pequeñas partes que pueden ser ejecutadas de forma independiente y en paralelo:</a:t>
+            </a:r>
+          </a:p>
+          <a:p>
+            <a:pPr lvl="1"/>
+            <a:r>
+              <a:rPr lang="es-MX" dirty="0" smtClean="0"/>
+              <a:t>El resultado es un objeto llamado «</a:t>
+            </a:r>
+            <a:r>
+              <a:rPr lang="es-MX" dirty="0" err="1" smtClean="0"/>
+              <a:t>job</a:t>
+            </a:r>
+            <a:r>
+              <a:rPr lang="es-MX" dirty="0" smtClean="0"/>
+              <a:t>» hecho de pequeñas partes llamadas «</a:t>
+            </a:r>
+            <a:r>
+              <a:rPr lang="es-MX" dirty="0" err="1" smtClean="0"/>
+              <a:t>tasks</a:t>
+            </a:r>
+            <a:r>
+              <a:rPr lang="es-MX" dirty="0" smtClean="0"/>
+              <a:t>».</a:t>
+            </a:r>
+          </a:p>
+          <a:p>
+            <a:pPr lvl="1"/>
+            <a:endParaRPr lang="es-MX" dirty="0"/>
+          </a:p>
+          <a:p>
+            <a:pPr lvl="1"/>
+            <a:endParaRPr lang="es-MX" dirty="0" smtClean="0"/>
+          </a:p>
+          <a:p>
+            <a:r>
+              <a:rPr lang="es-MX" b="1" dirty="0" smtClean="0"/>
+              <a:t>Ejecutando la aplicación en el JPPF </a:t>
+            </a:r>
+            <a:r>
+              <a:rPr lang="es-MX" b="1" dirty="0" err="1" smtClean="0"/>
+              <a:t>Grid</a:t>
+            </a:r>
+            <a:r>
+              <a:rPr lang="es-MX" b="1" dirty="0" smtClean="0"/>
+              <a:t>:</a:t>
+            </a:r>
+          </a:p>
+          <a:p>
+            <a:pPr lvl="1"/>
+            <a:r>
+              <a:rPr lang="es-MX" dirty="0" smtClean="0"/>
+              <a:t>La manera más simple es tener un servidor al que </a:t>
+            </a:r>
+            <a:r>
+              <a:rPr lang="es-MX" dirty="0" err="1" smtClean="0"/>
+              <a:t>estan</a:t>
+            </a:r>
+            <a:r>
+              <a:rPr lang="es-MX" dirty="0" smtClean="0"/>
+              <a:t> conectados varios nodos en ejecución.</a:t>
+            </a:r>
+          </a:p>
+          <a:p>
+            <a:pPr lvl="1"/>
+            <a:r>
+              <a:rPr lang="es-MX" dirty="0" smtClean="0"/>
+              <a:t>Un nodo es un componente de software de JPPF que normalmente se instala y ejecuta en un equipo diferente</a:t>
+            </a:r>
             <a:endParaRPr lang="es-MX" dirty="0"/>
           </a:p>
         </p:txBody>
@@ -3305,13 +3816,20 @@
     </p:spTree>
     <p:extLst>
       <p:ext uri="{BB962C8B-B14F-4D97-AF65-F5344CB8AC3E}">
-        <p14:creationId xmlns:p14="http://schemas.microsoft.com/office/powerpoint/2010/main" val="969114531"/>
+        <p14:creationId xmlns:p14="http://schemas.microsoft.com/office/powerpoint/2010/main" val="3571580893"/>
       </p:ext>
     </p:extLst>
   </p:cSld>
   <p:clrMapOvr>
     <a:masterClrMapping/>
   </p:clrMapOvr>
+  <p:timing>
+    <p:tnLst>
+      <p:par>
+        <p:cTn id="1" dur="indefinite" restart="never" nodeType="tmRoot"/>
+      </p:par>
+    </p:tnLst>
+  </p:timing>
 </p:sld>
 </file>
 
@@ -3349,7 +3867,7 @@
           <a:p>
             <a:r>
               <a:rPr lang="es-MX" dirty="0" smtClean="0"/>
-              <a:t>Instalación</a:t>
+              <a:t>Arquitecturas (Diseño)</a:t>
             </a:r>
             <a:endParaRPr lang="es-MX" dirty="0"/>
           </a:p>
@@ -3370,20 +3888,52 @@
           <a:bodyPr/>
           <a:lstStyle/>
           <a:p>
-            <a:endParaRPr lang="es-MX"/>
+            <a:r>
+              <a:rPr lang="es-MX" dirty="0" smtClean="0"/>
+              <a:t>Arquitectura Maestro / Esclavo:</a:t>
+            </a:r>
+          </a:p>
+          <a:p>
+            <a:pPr lvl="1"/>
+            <a:r>
+              <a:rPr lang="es-MX" dirty="0" smtClean="0"/>
+              <a:t>El trabajo es distribuido por el servidor (maestro) a los nodos (esclavos).</a:t>
+            </a:r>
+          </a:p>
+          <a:p>
+            <a:pPr lvl="1"/>
+            <a:r>
+              <a:rPr lang="es-MX" dirty="0" smtClean="0"/>
+              <a:t>Las tareas de un trabajo son distribuidas a los nodos en ejecución.</a:t>
+            </a:r>
+          </a:p>
+          <a:p>
+            <a:pPr lvl="1"/>
+            <a:endParaRPr lang="es-MX" dirty="0"/>
+          </a:p>
+          <a:p>
+            <a:pPr lvl="1"/>
+            <a:endParaRPr lang="es-MX" dirty="0" smtClean="0"/>
           </a:p>
         </p:txBody>
       </p:sp>
     </p:spTree>
     <p:extLst>
       <p:ext uri="{BB962C8B-B14F-4D97-AF65-F5344CB8AC3E}">
-        <p14:creationId xmlns:p14="http://schemas.microsoft.com/office/powerpoint/2010/main" val="738099653"/>
+        <p14:creationId xmlns:p14="http://schemas.microsoft.com/office/powerpoint/2010/main" val="969114531"/>
       </p:ext>
     </p:extLst>
   </p:cSld>
   <p:clrMapOvr>
     <a:masterClrMapping/>
   </p:clrMapOvr>
+  <p:timing>
+    <p:tnLst>
+      <p:par>
+        <p:cTn id="1" dur="indefinite" restart="never" nodeType="tmRoot"/>
+      </p:par>
+    </p:tnLst>
+  </p:timing>
 </p:sld>
 </file>
 
@@ -3421,41 +3971,182 @@
           <a:p>
             <a:r>
               <a:rPr lang="es-MX" dirty="0" smtClean="0"/>
-              <a:t>Caso aplicativo</a:t>
+              <a:t>Arquitectura (vista de alto nivel)</a:t>
             </a:r>
             <a:endParaRPr lang="es-MX" dirty="0"/>
           </a:p>
         </p:txBody>
       </p:sp>
-      <p:sp>
-        <p:nvSpPr>
-          <p:cNvPr id="3" name="2 Marcador de contenido"/>
-          <p:cNvSpPr>
-            <a:spLocks noGrp="1"/>
-          </p:cNvSpPr>
+      <p:pic>
+        <p:nvPicPr>
+          <p:cNvPr id="4" name="3 Marcador de contenido"/>
+          <p:cNvPicPr>
+            <a:picLocks noGrp="1" noChangeAspect="1"/>
+          </p:cNvPicPr>
           <p:nvPr>
             <p:ph idx="1"/>
           </p:nvPr>
-        </p:nvSpPr>
-        <p:spPr/>
-        <p:txBody>
-          <a:bodyPr/>
-          <a:lstStyle/>
-          <a:p>
-            <a:endParaRPr lang="es-MX"/>
+        </p:nvPicPr>
+        <p:blipFill>
+          <a:blip r:embed="rId2">
+            <a:extLst>
+              <a:ext uri="{28A0092B-C50C-407E-A947-70E740481C1C}">
+                <a14:useLocalDpi xmlns:a14="http://schemas.microsoft.com/office/drawing/2010/main" val="0"/>
+              </a:ext>
+            </a:extLst>
+          </a:blip>
+          <a:stretch>
+            <a:fillRect/>
+          </a:stretch>
+        </p:blipFill>
+        <p:spPr>
+          <a:xfrm>
+            <a:off x="395536" y="1484784"/>
+            <a:ext cx="4615966" cy="4876800"/>
+          </a:xfrm>
+          <a:prstGeom prst="rect">
+            <a:avLst/>
+          </a:prstGeom>
+        </p:spPr>
+      </p:pic>
+      <p:sp>
+        <p:nvSpPr>
+          <p:cNvPr id="6" name="5 CuadroTexto"/>
+          <p:cNvSpPr txBox="1"/>
+          <p:nvPr/>
+        </p:nvSpPr>
+        <p:spPr>
+          <a:xfrm>
+            <a:off x="5364088" y="1844824"/>
+            <a:ext cx="3384376" cy="6894195"/>
+          </a:xfrm>
+          <a:prstGeom prst="rect">
+            <a:avLst/>
+          </a:prstGeom>
+          <a:noFill/>
+        </p:spPr>
+        <p:txBody>
+          <a:bodyPr wrap="square" rtlCol="0">
+            <a:spAutoFit/>
+          </a:bodyPr>
+          <a:lstStyle/>
+          <a:p>
+            <a:r>
+              <a:rPr lang="es-MX" sz="1400" dirty="0" smtClean="0"/>
+              <a:t>Esta dividida en 3 capas:</a:t>
+            </a:r>
+          </a:p>
+          <a:p>
+            <a:r>
+              <a:rPr lang="es-MX" sz="1400" b="1" dirty="0" smtClean="0"/>
+              <a:t>Cliente</a:t>
+            </a:r>
+            <a:r>
+              <a:rPr lang="es-MX" sz="1400" dirty="0" smtClean="0"/>
+              <a:t>: Proporciona un API y herramientas de comunicación  que usa el </a:t>
+            </a:r>
+            <a:r>
+              <a:rPr lang="es-MX" sz="1400" dirty="0" err="1" smtClean="0"/>
+              <a:t>framework</a:t>
+            </a:r>
+            <a:r>
+              <a:rPr lang="es-MX" sz="1400" dirty="0" smtClean="0"/>
+              <a:t> para enviar tareas y ser ejecutadas en paralelo.</a:t>
+            </a:r>
+          </a:p>
+          <a:p>
+            <a:endParaRPr lang="es-MX" sz="1400" dirty="0" smtClean="0"/>
+          </a:p>
+          <a:p>
+            <a:r>
+              <a:rPr lang="es-MX" sz="1400" b="1" dirty="0" smtClean="0"/>
+              <a:t>Servicio</a:t>
+            </a:r>
+            <a:r>
+              <a:rPr lang="es-MX" sz="1400" dirty="0" smtClean="0"/>
+              <a:t>: Responsable de la comunicación entre clientes y nodos. A través de la cola de ejecución, el balanceo de carga y recuperación de características y la carga dinámica del </a:t>
+            </a:r>
+            <a:r>
+              <a:rPr lang="es-MX" sz="1400" dirty="0" err="1" smtClean="0"/>
+              <a:t>framework</a:t>
+            </a:r>
+            <a:r>
+              <a:rPr lang="es-MX" sz="1400" dirty="0" smtClean="0"/>
+              <a:t> y las clases en los apropiados nodos.</a:t>
+            </a:r>
+          </a:p>
+          <a:p>
+            <a:endParaRPr lang="es-MX" sz="1400" dirty="0"/>
+          </a:p>
+          <a:p>
+            <a:r>
+              <a:rPr lang="es-MX" sz="1400" b="1" dirty="0" smtClean="0"/>
+              <a:t>Ejecución</a:t>
+            </a:r>
+            <a:r>
+              <a:rPr lang="es-MX" sz="1400" dirty="0" smtClean="0"/>
+              <a:t>: Aquí se encuentras los nodos. Ellos ejecutan tareas individuales, regresan el resultado de la ejecución solicitan dinámicamente, desde el </a:t>
+            </a:r>
+            <a:r>
+              <a:rPr lang="es-MX" sz="1400" smtClean="0"/>
+              <a:t>driver JPPF </a:t>
+            </a:r>
+            <a:r>
+              <a:rPr lang="es-MX" sz="1400" dirty="0" smtClean="0"/>
+              <a:t>el código que ellos necesitan ejecutar en </a:t>
+            </a:r>
+            <a:r>
+              <a:rPr lang="es-MX" sz="1400" smtClean="0"/>
+              <a:t>los clientes.</a:t>
+            </a:r>
+            <a:endParaRPr lang="es-MX" sz="1400" dirty="0"/>
+          </a:p>
+          <a:p>
+            <a:endParaRPr lang="es-MX" dirty="0" smtClean="0"/>
+          </a:p>
+          <a:p>
+            <a:endParaRPr lang="es-MX" dirty="0"/>
+          </a:p>
+          <a:p>
+            <a:endParaRPr lang="es-MX" dirty="0" smtClean="0"/>
+          </a:p>
+          <a:p>
+            <a:endParaRPr lang="es-MX" dirty="0"/>
+          </a:p>
+          <a:p>
+            <a:endParaRPr lang="es-MX" dirty="0" smtClean="0"/>
+          </a:p>
+          <a:p>
+            <a:endParaRPr lang="es-MX" dirty="0"/>
+          </a:p>
+          <a:p>
+            <a:endParaRPr lang="es-MX" dirty="0" smtClean="0"/>
+          </a:p>
+          <a:p>
+            <a:endParaRPr lang="es-MX" dirty="0"/>
+          </a:p>
+          <a:p>
+            <a:endParaRPr lang="es-MX" dirty="0" smtClean="0"/>
           </a:p>
         </p:txBody>
       </p:sp>
     </p:spTree>
     <p:extLst>
       <p:ext uri="{BB962C8B-B14F-4D97-AF65-F5344CB8AC3E}">
-        <p14:creationId xmlns:p14="http://schemas.microsoft.com/office/powerpoint/2010/main" val="2125470112"/>
+        <p14:creationId xmlns:p14="http://schemas.microsoft.com/office/powerpoint/2010/main" val="687389289"/>
       </p:ext>
     </p:extLst>
   </p:cSld>
   <p:clrMapOvr>
     <a:masterClrMapping/>
   </p:clrMapOvr>
+  <p:timing>
+    <p:tnLst>
+      <p:par>
+        <p:cTn id="1" dur="indefinite" restart="never" nodeType="tmRoot"/>
+      </p:par>
+    </p:tnLst>
+  </p:timing>
 </p:sld>
 </file>
 
@@ -3493,7 +4184,7 @@
           <a:p>
             <a:r>
               <a:rPr lang="es-MX" dirty="0" smtClean="0"/>
-              <a:t>Conclusiones</a:t>
+              <a:t>Instalación</a:t>
             </a:r>
             <a:endParaRPr lang="es-MX" dirty="0"/>
           </a:p>
@@ -3521,7 +4212,7 @@
     </p:spTree>
     <p:extLst>
       <p:ext uri="{BB962C8B-B14F-4D97-AF65-F5344CB8AC3E}">
-        <p14:creationId xmlns:p14="http://schemas.microsoft.com/office/powerpoint/2010/main" val="2764883543"/>
+        <p14:creationId xmlns:p14="http://schemas.microsoft.com/office/powerpoint/2010/main" val="738099653"/>
       </p:ext>
     </p:extLst>
   </p:cSld>
@@ -3560,14 +4251,12 @@
         </p:nvSpPr>
         <p:spPr/>
         <p:txBody>
-          <a:bodyPr>
-            <a:normAutofit fontScale="90000"/>
-          </a:bodyPr>
+          <a:bodyPr/>
           <a:lstStyle/>
           <a:p>
             <a:r>
               <a:rPr lang="es-MX" dirty="0" smtClean="0"/>
-              <a:t>¿Qué pasa si agregamos o quitamos nodos?</a:t>
+              <a:t>Caso aplicativo</a:t>
             </a:r>
             <a:endParaRPr lang="es-MX" dirty="0"/>
           </a:p>
@@ -3588,14 +4277,14 @@
           <a:bodyPr/>
           <a:lstStyle/>
           <a:p>
-            <a:endParaRPr lang="es-MX" dirty="0"/>
+            <a:endParaRPr lang="es-MX"/>
           </a:p>
         </p:txBody>
       </p:sp>
     </p:spTree>
     <p:extLst>
       <p:ext uri="{BB962C8B-B14F-4D97-AF65-F5344CB8AC3E}">
-        <p14:creationId xmlns:p14="http://schemas.microsoft.com/office/powerpoint/2010/main" val="1397610341"/>
+        <p14:creationId xmlns:p14="http://schemas.microsoft.com/office/powerpoint/2010/main" val="2125470112"/>
       </p:ext>
     </p:extLst>
   </p:cSld>
@@ -3634,6 +4323,78 @@
         </p:nvSpPr>
         <p:spPr/>
         <p:txBody>
+          <a:bodyPr/>
+          <a:lstStyle/>
+          <a:p>
+            <a:r>
+              <a:rPr lang="es-MX" dirty="0" smtClean="0"/>
+              <a:t>Conclusiones</a:t>
+            </a:r>
+            <a:endParaRPr lang="es-MX" dirty="0"/>
+          </a:p>
+        </p:txBody>
+      </p:sp>
+      <p:sp>
+        <p:nvSpPr>
+          <p:cNvPr id="3" name="2 Marcador de contenido"/>
+          <p:cNvSpPr>
+            <a:spLocks noGrp="1"/>
+          </p:cNvSpPr>
+          <p:nvPr>
+            <p:ph idx="1"/>
+          </p:nvPr>
+        </p:nvSpPr>
+        <p:spPr/>
+        <p:txBody>
+          <a:bodyPr/>
+          <a:lstStyle/>
+          <a:p>
+            <a:endParaRPr lang="es-MX"/>
+          </a:p>
+        </p:txBody>
+      </p:sp>
+    </p:spTree>
+    <p:extLst>
+      <p:ext uri="{BB962C8B-B14F-4D97-AF65-F5344CB8AC3E}">
+        <p14:creationId xmlns:p14="http://schemas.microsoft.com/office/powerpoint/2010/main" val="2764883543"/>
+      </p:ext>
+    </p:extLst>
+  </p:cSld>
+  <p:clrMapOvr>
+    <a:masterClrMapping/>
+  </p:clrMapOvr>
+</p:sld>
+</file>
+
+<file path=ppt/slides/slide9.xml><?xml version="1.0" encoding="utf-8"?>
+<p:sld xmlns:a="http://schemas.openxmlformats.org/drawingml/2006/main" xmlns:r="http://schemas.openxmlformats.org/officeDocument/2006/relationships" xmlns:p="http://schemas.openxmlformats.org/presentationml/2006/main">
+  <p:cSld>
+    <p:spTree>
+      <p:nvGrpSpPr>
+        <p:cNvPr id="1" name=""/>
+        <p:cNvGrpSpPr/>
+        <p:nvPr/>
+      </p:nvGrpSpPr>
+      <p:grpSpPr>
+        <a:xfrm>
+          <a:off x="0" y="0"/>
+          <a:ext cx="0" cy="0"/>
+          <a:chOff x="0" y="0"/>
+          <a:chExt cx="0" cy="0"/>
+        </a:xfrm>
+      </p:grpSpPr>
+      <p:sp>
+        <p:nvSpPr>
+          <p:cNvPr id="2" name="1 Título"/>
+          <p:cNvSpPr>
+            <a:spLocks noGrp="1"/>
+          </p:cNvSpPr>
+          <p:nvPr>
+            <p:ph type="title"/>
+          </p:nvPr>
+        </p:nvSpPr>
+        <p:spPr/>
+        <p:txBody>
           <a:bodyPr>
             <a:normAutofit fontScale="90000"/>
           </a:bodyPr>
@@ -3641,7 +4402,7 @@
           <a:p>
             <a:r>
               <a:rPr lang="es-MX" dirty="0" smtClean="0"/>
-              <a:t>Representación visual del tráfico en la red</a:t>
+              <a:t>¿Qué pasa si agregamos o quitamos nodos?</a:t>
             </a:r>
             <a:endParaRPr lang="es-MX" dirty="0"/>
           </a:p>
@@ -3662,14 +4423,14 @@
           <a:bodyPr/>
           <a:lstStyle/>
           <a:p>
-            <a:endParaRPr lang="es-MX"/>
+            <a:endParaRPr lang="es-MX" dirty="0"/>
           </a:p>
         </p:txBody>
       </p:sp>
     </p:spTree>
     <p:extLst>
       <p:ext uri="{BB962C8B-B14F-4D97-AF65-F5344CB8AC3E}">
-        <p14:creationId xmlns:p14="http://schemas.microsoft.com/office/powerpoint/2010/main" val="2408136318"/>
+        <p14:creationId xmlns:p14="http://schemas.microsoft.com/office/powerpoint/2010/main" val="1397610341"/>
       </p:ext>
     </p:extLst>
   </p:cSld>
@@ -3680,38 +4441,38 @@
 </file>
 
 <file path=ppt/theme/theme1.xml><?xml version="1.0" encoding="utf-8"?>
-<a:theme xmlns:a="http://schemas.openxmlformats.org/drawingml/2006/main" name="Tema de Office">
+<a:theme xmlns:a="http://schemas.openxmlformats.org/drawingml/2006/main" name="Claridad">
   <a:themeElements>
-    <a:clrScheme name="Office">
+    <a:clrScheme name="Claridad">
       <a:dk1>
-        <a:sysClr val="windowText" lastClr="000000"/>
+        <a:srgbClr val="292934"/>
       </a:dk1>
       <a:lt1>
-        <a:sysClr val="window" lastClr="FFFFFF"/>
+        <a:srgbClr val="FFFFFF"/>
       </a:lt1>
       <a:dk2>
-        <a:srgbClr val="1F497D"/>
+        <a:srgbClr val="D2533C"/>
       </a:dk2>
       <a:lt2>
-        <a:srgbClr val="EEECE1"/>
+        <a:srgbClr val="F3F2DC"/>
       </a:lt2>
       <a:accent1>
-        <a:srgbClr val="4F81BD"/>
+        <a:srgbClr val="93A299"/>
       </a:accent1>
       <a:accent2>
-        <a:srgbClr val="C0504D"/>
+        <a:srgbClr val="AD8F67"/>
       </a:accent2>
       <a:accent3>
-        <a:srgbClr val="9BBB59"/>
+        <a:srgbClr val="726056"/>
       </a:accent3>
       <a:accent4>
-        <a:srgbClr val="8064A2"/>
+        <a:srgbClr val="4C5A6A"/>
       </a:accent4>
       <a:accent5>
-        <a:srgbClr val="4BACC6"/>
+        <a:srgbClr val="808DA0"/>
       </a:accent5>
       <a:accent6>
-        <a:srgbClr val="F79646"/>
+        <a:srgbClr val="79463D"/>
       </a:accent6>
       <a:hlink>
         <a:srgbClr val="0000FF"/>
@@ -3720,22 +4481,22 @@
         <a:srgbClr val="800080"/>
       </a:folHlink>
     </a:clrScheme>
-    <a:fontScheme name="Office">
+    <a:fontScheme name="Clásico de Office 2">
       <a:majorFont>
-        <a:latin typeface="Calibri"/>
+        <a:latin typeface="Arial"/>
         <a:ea typeface=""/>
         <a:cs typeface=""/>
         <a:font script="Jpan" typeface="ＭＳ Ｐゴシック"/>
-        <a:font script="Hang" typeface="맑은 고딕"/>
-        <a:font script="Hans" typeface="宋体"/>
-        <a:font script="Hant" typeface="新細明體"/>
-        <a:font script="Arab" typeface="Times New Roman"/>
-        <a:font script="Hebr" typeface="Times New Roman"/>
-        <a:font script="Thai" typeface="Angsana New"/>
+        <a:font script="Hang" typeface="돋움"/>
+        <a:font script="Hans" typeface="方正舒体"/>
+        <a:font script="Hant" typeface="微軟正黑體"/>
+        <a:font script="Arab" typeface="Arial"/>
+        <a:font script="Hebr" typeface="Arial"/>
+        <a:font script="Thai" typeface="Cordia New"/>
         <a:font script="Ethi" typeface="Nyala"/>
         <a:font script="Beng" typeface="Vrinda"/>
         <a:font script="Gujr" typeface="Shruti"/>
-        <a:font script="Khmr" typeface="MoolBoran"/>
+        <a:font script="Khmr" typeface="DaunPenh"/>
         <a:font script="Knda" typeface="Tunga"/>
         <a:font script="Guru" typeface="Raavi"/>
         <a:font script="Cans" typeface="Euphemia"/>
@@ -3752,18 +4513,18 @@
         <a:font script="Laoo" typeface="DokChampa"/>
         <a:font script="Sinh" typeface="Iskoola Pota"/>
         <a:font script="Mong" typeface="Mongolian Baiti"/>
-        <a:font script="Viet" typeface="Times New Roman"/>
+        <a:font script="Viet" typeface="Arial"/>
         <a:font script="Uigh" typeface="Microsoft Uighur"/>
         <a:font script="Geor" typeface="Sylfaen"/>
       </a:majorFont>
       <a:minorFont>
-        <a:latin typeface="Calibri"/>
+        <a:latin typeface="Arial"/>
         <a:ea typeface=""/>
         <a:cs typeface=""/>
         <a:font script="Jpan" typeface="ＭＳ Ｐゴシック"/>
-        <a:font script="Hang" typeface="맑은 고딕"/>
-        <a:font script="Hans" typeface="宋体"/>
-        <a:font script="Hant" typeface="新細明體"/>
+        <a:font script="Hang" typeface="돋움"/>
+        <a:font script="Hans" typeface="方正舒体"/>
+        <a:font script="Hant" typeface="微軟正黑體"/>
         <a:font script="Arab" typeface="Arial"/>
         <a:font script="Hebr" typeface="Arial"/>
         <a:font script="Thai" typeface="Cordia New"/>
@@ -3792,7 +4553,7 @@
         <a:font script="Geor" typeface="Sylfaen"/>
       </a:minorFont>
     </a:fontScheme>
-    <a:fmtScheme name="Office">
+    <a:fmtScheme name="Claridad">
       <a:fillStyleLst>
         <a:solidFill>
           <a:schemeClr val="phClr"/>
@@ -3802,65 +4563,75 @@
             <a:gs pos="0">
               <a:schemeClr val="phClr">
                 <a:tint val="50000"/>
-                <a:satMod val="300000"/>
+                <a:shade val="86000"/>
+                <a:satMod val="140000"/>
               </a:schemeClr>
             </a:gs>
-            <a:gs pos="35000">
+            <a:gs pos="45000">
               <a:schemeClr val="phClr">
-                <a:tint val="37000"/>
-                <a:satMod val="300000"/>
+                <a:tint val="48000"/>
+                <a:satMod val="150000"/>
               </a:schemeClr>
             </a:gs>
             <a:gs pos="100000">
               <a:schemeClr val="phClr">
-                <a:tint val="15000"/>
-                <a:satMod val="350000"/>
+                <a:tint val="28000"/>
+                <a:satMod val="160000"/>
               </a:schemeClr>
             </a:gs>
           </a:gsLst>
-          <a:lin ang="16200000" scaled="1"/>
+          <a:path path="circle">
+            <a:fillToRect l="100000" t="100000" r="100000" b="100000"/>
+          </a:path>
         </a:gradFill>
         <a:gradFill rotWithShape="1">
           <a:gsLst>
             <a:gs pos="0">
               <a:schemeClr val="phClr">
-                <a:shade val="51000"/>
-                <a:satMod val="130000"/>
+                <a:shade val="70000"/>
+                <a:satMod val="150000"/>
               </a:schemeClr>
             </a:gs>
-            <a:gs pos="80000">
+            <a:gs pos="34000">
               <a:schemeClr val="phClr">
-                <a:shade val="93000"/>
-                <a:satMod val="130000"/>
+                <a:shade val="70000"/>
+                <a:satMod val="140000"/>
+              </a:schemeClr>
+            </a:gs>
+            <a:gs pos="70000">
+              <a:schemeClr val="phClr">
+                <a:tint val="100000"/>
+                <a:shade val="90000"/>
+                <a:satMod val="140000"/>
               </a:schemeClr>
             </a:gs>
             <a:gs pos="100000">
               <a:schemeClr val="phClr">
-                <a:shade val="94000"/>
-                <a:satMod val="135000"/>
+                <a:tint val="100000"/>
+                <a:shade val="100000"/>
+                <a:satMod val="100000"/>
               </a:schemeClr>
             </a:gs>
           </a:gsLst>
-          <a:lin ang="16200000" scaled="0"/>
+          <a:path path="circle">
+            <a:fillToRect l="100000" t="100000" r="100000" b="100000"/>
+          </a:path>
         </a:gradFill>
       </a:fillStyleLst>
       <a:lnStyleLst>
         <a:ln w="9525" cap="flat" cmpd="sng" algn="ctr">
           <a:solidFill>
-            <a:schemeClr val="phClr">
-              <a:shade val="95000"/>
-              <a:satMod val="105000"/>
-            </a:schemeClr>
+            <a:schemeClr val="phClr"/>
           </a:solidFill>
           <a:prstDash val="solid"/>
         </a:ln>
-        <a:ln w="25400" cap="flat" cmpd="sng" algn="ctr">
+        <a:ln w="26425" cap="flat" cmpd="sng" algn="ctr">
           <a:solidFill>
             <a:schemeClr val="phClr"/>
           </a:solidFill>
           <a:prstDash val="solid"/>
         </a:ln>
-        <a:ln w="38100" cap="flat" cmpd="sng" algn="ctr">
+        <a:ln w="44450" cap="flat" cmpd="sng" algn="ctr">
           <a:solidFill>
             <a:schemeClr val="phClr"/>
           </a:solidFill>
@@ -3869,28 +4640,22 @@
       </a:lnStyleLst>
       <a:effectStyleLst>
         <a:effectStyle>
+          <a:effectLst/>
+        </a:effectStyle>
+        <a:effectStyle>
           <a:effectLst>
-            <a:outerShdw blurRad="40000" dist="20000" dir="5400000" rotWithShape="0">
+            <a:outerShdw blurRad="38100" dist="25400" dir="2700000" algn="br" rotWithShape="0">
               <a:srgbClr val="000000">
-                <a:alpha val="38000"/>
+                <a:alpha val="60000"/>
               </a:srgbClr>
             </a:outerShdw>
           </a:effectLst>
         </a:effectStyle>
         <a:effectStyle>
           <a:effectLst>
-            <a:outerShdw blurRad="40000" dist="23000" dir="5400000" rotWithShape="0">
+            <a:outerShdw blurRad="38100" dist="25400" dir="2700000" algn="br" rotWithShape="0">
               <a:srgbClr val="000000">
-                <a:alpha val="35000"/>
-              </a:srgbClr>
-            </a:outerShdw>
-          </a:effectLst>
-        </a:effectStyle>
-        <a:effectStyle>
-          <a:effectLst>
-            <a:outerShdw blurRad="40000" dist="23000" dir="5400000" rotWithShape="0">
-              <a:srgbClr val="000000">
-                <a:alpha val="35000"/>
+                <a:alpha val="60000"/>
               </a:srgbClr>
             </a:outerShdw>
           </a:effectLst>
@@ -3898,12 +4663,18 @@
             <a:camera prst="orthographicFront">
               <a:rot lat="0" lon="0" rev="0"/>
             </a:camera>
-            <a:lightRig rig="threePt" dir="t">
-              <a:rot lat="0" lon="0" rev="1200000"/>
+            <a:lightRig rig="balanced" dir="t">
+              <a:rot lat="0" lon="0" rev="5100000"/>
             </a:lightRig>
           </a:scene3d>
-          <a:sp3d>
-            <a:bevelT w="63500" h="25400"/>
+          <a:sp3d contourW="6350">
+            <a:bevelT w="29210" h="12700"/>
+            <a:contourClr>
+              <a:schemeClr val="phClr">
+                <a:shade val="30000"/>
+                <a:satMod val="130000"/>
+              </a:schemeClr>
+            </a:contourClr>
           </a:sp3d>
         </a:effectStyle>
       </a:effectStyleLst>
@@ -3915,47 +4686,40 @@
           <a:gsLst>
             <a:gs pos="0">
               <a:schemeClr val="phClr">
-                <a:tint val="40000"/>
-                <a:satMod val="350000"/>
+                <a:tint val="85000"/>
+                <a:satMod val="180000"/>
               </a:schemeClr>
             </a:gs>
             <a:gs pos="40000">
               <a:schemeClr val="phClr">
-                <a:tint val="45000"/>
-                <a:shade val="99000"/>
-                <a:satMod val="350000"/>
+                <a:tint val="95000"/>
+                <a:shade val="85000"/>
+                <a:satMod val="150000"/>
               </a:schemeClr>
             </a:gs>
             <a:gs pos="100000">
               <a:schemeClr val="phClr">
-                <a:shade val="20000"/>
-                <a:satMod val="255000"/>
-              </a:schemeClr>
-            </a:gs>
-          </a:gsLst>
-          <a:path path="circle">
-            <a:fillToRect l="50000" t="-80000" r="50000" b="180000"/>
-          </a:path>
-        </a:gradFill>
-        <a:gradFill rotWithShape="1">
-          <a:gsLst>
-            <a:gs pos="0">
-              <a:schemeClr val="phClr">
-                <a:tint val="80000"/>
-                <a:satMod val="300000"/>
-              </a:schemeClr>
-            </a:gs>
-            <a:gs pos="100000">
-              <a:schemeClr val="phClr">
-                <a:shade val="30000"/>
+                <a:shade val="45000"/>
                 <a:satMod val="200000"/>
               </a:schemeClr>
             </a:gs>
           </a:gsLst>
-          <a:path path="circle">
-            <a:fillToRect l="50000" t="50000" r="50000" b="50000"/>
-          </a:path>
+          <a:lin ang="5400000" scaled="0"/>
         </a:gradFill>
+        <a:blipFill rotWithShape="1">
+          <a:blip xmlns:r="http://schemas.openxmlformats.org/officeDocument/2006/relationships" r:embed="rId1">
+            <a:duotone>
+              <a:schemeClr val="phClr">
+                <a:shade val="55000"/>
+              </a:schemeClr>
+              <a:schemeClr val="phClr">
+                <a:tint val="97000"/>
+                <a:satMod val="95000"/>
+              </a:schemeClr>
+            </a:duotone>
+          </a:blip>
+          <a:tile tx="0" ty="0" sx="70000" sy="70000" flip="none" algn="tl"/>
+        </a:blipFill>
       </a:bgFillStyleLst>
     </a:fmtScheme>
   </a:themeElements>

--- a/Tareas/JPPF/JPPF-Presentacion.pptx
+++ b/Tareas/JPPF/JPPF-Presentacion.pptx
@@ -10,11 +10,13 @@
     <p:sldId id="264" r:id="rId4"/>
     <p:sldId id="258" r:id="rId5"/>
     <p:sldId id="265" r:id="rId6"/>
-    <p:sldId id="259" r:id="rId7"/>
-    <p:sldId id="260" r:id="rId8"/>
-    <p:sldId id="261" r:id="rId9"/>
-    <p:sldId id="262" r:id="rId10"/>
-    <p:sldId id="263" r:id="rId11"/>
+    <p:sldId id="266" r:id="rId7"/>
+    <p:sldId id="267" r:id="rId8"/>
+    <p:sldId id="259" r:id="rId9"/>
+    <p:sldId id="260" r:id="rId10"/>
+    <p:sldId id="261" r:id="rId11"/>
+    <p:sldId id="262" r:id="rId12"/>
+    <p:sldId id="263" r:id="rId13"/>
   </p:sldIdLst>
   <p:sldSz cx="9144000" cy="6858000" type="screen4x3"/>
   <p:notesSz cx="6858000" cy="9144000"/>
@@ -3542,6 +3544,152 @@
         </p:nvSpPr>
         <p:spPr/>
         <p:txBody>
+          <a:bodyPr/>
+          <a:lstStyle/>
+          <a:p>
+            <a:r>
+              <a:rPr lang="es-MX" dirty="0" smtClean="0"/>
+              <a:t>Conclusiones</a:t>
+            </a:r>
+            <a:endParaRPr lang="es-MX" dirty="0"/>
+          </a:p>
+        </p:txBody>
+      </p:sp>
+      <p:sp>
+        <p:nvSpPr>
+          <p:cNvPr id="3" name="2 Marcador de contenido"/>
+          <p:cNvSpPr>
+            <a:spLocks noGrp="1"/>
+          </p:cNvSpPr>
+          <p:nvPr>
+            <p:ph idx="1"/>
+          </p:nvPr>
+        </p:nvSpPr>
+        <p:spPr/>
+        <p:txBody>
+          <a:bodyPr/>
+          <a:lstStyle/>
+          <a:p>
+            <a:endParaRPr lang="es-MX"/>
+          </a:p>
+        </p:txBody>
+      </p:sp>
+    </p:spTree>
+    <p:extLst>
+      <p:ext uri="{BB962C8B-B14F-4D97-AF65-F5344CB8AC3E}">
+        <p14:creationId xmlns:p14="http://schemas.microsoft.com/office/powerpoint/2010/main" val="2764883543"/>
+      </p:ext>
+    </p:extLst>
+  </p:cSld>
+  <p:clrMapOvr>
+    <a:masterClrMapping/>
+  </p:clrMapOvr>
+</p:sld>
+</file>
+
+<file path=ppt/slides/slide11.xml><?xml version="1.0" encoding="utf-8"?>
+<p:sld xmlns:a="http://schemas.openxmlformats.org/drawingml/2006/main" xmlns:r="http://schemas.openxmlformats.org/officeDocument/2006/relationships" xmlns:p="http://schemas.openxmlformats.org/presentationml/2006/main">
+  <p:cSld>
+    <p:spTree>
+      <p:nvGrpSpPr>
+        <p:cNvPr id="1" name=""/>
+        <p:cNvGrpSpPr/>
+        <p:nvPr/>
+      </p:nvGrpSpPr>
+      <p:grpSpPr>
+        <a:xfrm>
+          <a:off x="0" y="0"/>
+          <a:ext cx="0" cy="0"/>
+          <a:chOff x="0" y="0"/>
+          <a:chExt cx="0" cy="0"/>
+        </a:xfrm>
+      </p:grpSpPr>
+      <p:sp>
+        <p:nvSpPr>
+          <p:cNvPr id="2" name="1 Título"/>
+          <p:cNvSpPr>
+            <a:spLocks noGrp="1"/>
+          </p:cNvSpPr>
+          <p:nvPr>
+            <p:ph type="title"/>
+          </p:nvPr>
+        </p:nvSpPr>
+        <p:spPr/>
+        <p:txBody>
+          <a:bodyPr>
+            <a:normAutofit fontScale="90000"/>
+          </a:bodyPr>
+          <a:lstStyle/>
+          <a:p>
+            <a:r>
+              <a:rPr lang="es-MX" dirty="0" smtClean="0"/>
+              <a:t>¿Qué pasa si agregamos o quitamos nodos?</a:t>
+            </a:r>
+            <a:endParaRPr lang="es-MX" dirty="0"/>
+          </a:p>
+        </p:txBody>
+      </p:sp>
+      <p:sp>
+        <p:nvSpPr>
+          <p:cNvPr id="3" name="2 Marcador de contenido"/>
+          <p:cNvSpPr>
+            <a:spLocks noGrp="1"/>
+          </p:cNvSpPr>
+          <p:nvPr>
+            <p:ph idx="1"/>
+          </p:nvPr>
+        </p:nvSpPr>
+        <p:spPr/>
+        <p:txBody>
+          <a:bodyPr/>
+          <a:lstStyle/>
+          <a:p>
+            <a:endParaRPr lang="es-MX" dirty="0"/>
+          </a:p>
+        </p:txBody>
+      </p:sp>
+    </p:spTree>
+    <p:extLst>
+      <p:ext uri="{BB962C8B-B14F-4D97-AF65-F5344CB8AC3E}">
+        <p14:creationId xmlns:p14="http://schemas.microsoft.com/office/powerpoint/2010/main" val="1397610341"/>
+      </p:ext>
+    </p:extLst>
+  </p:cSld>
+  <p:clrMapOvr>
+    <a:masterClrMapping/>
+  </p:clrMapOvr>
+</p:sld>
+</file>
+
+<file path=ppt/slides/slide12.xml><?xml version="1.0" encoding="utf-8"?>
+<p:sld xmlns:a="http://schemas.openxmlformats.org/drawingml/2006/main" xmlns:r="http://schemas.openxmlformats.org/officeDocument/2006/relationships" xmlns:p="http://schemas.openxmlformats.org/presentationml/2006/main">
+  <p:cSld>
+    <p:spTree>
+      <p:nvGrpSpPr>
+        <p:cNvPr id="1" name=""/>
+        <p:cNvGrpSpPr/>
+        <p:nvPr/>
+      </p:nvGrpSpPr>
+      <p:grpSpPr>
+        <a:xfrm>
+          <a:off x="0" y="0"/>
+          <a:ext cx="0" cy="0"/>
+          <a:chOff x="0" y="0"/>
+          <a:chExt cx="0" cy="0"/>
+        </a:xfrm>
+      </p:grpSpPr>
+      <p:sp>
+        <p:nvSpPr>
+          <p:cNvPr id="2" name="1 Título"/>
+          <p:cNvSpPr>
+            <a:spLocks noGrp="1"/>
+          </p:cNvSpPr>
+          <p:nvPr>
+            <p:ph type="title"/>
+          </p:nvPr>
+        </p:nvSpPr>
+        <p:spPr/>
+        <p:txBody>
           <a:bodyPr>
             <a:normAutofit fontScale="90000"/>
           </a:bodyPr>
@@ -4184,35 +4332,45 @@
           <a:p>
             <a:r>
               <a:rPr lang="es-MX" dirty="0" smtClean="0"/>
-              <a:t>Instalación</a:t>
+              <a:t>Flujo de trabajo</a:t>
             </a:r>
             <a:endParaRPr lang="es-MX" dirty="0"/>
           </a:p>
         </p:txBody>
       </p:sp>
-      <p:sp>
-        <p:nvSpPr>
-          <p:cNvPr id="3" name="2 Marcador de contenido"/>
-          <p:cNvSpPr>
-            <a:spLocks noGrp="1"/>
-          </p:cNvSpPr>
+      <p:pic>
+        <p:nvPicPr>
+          <p:cNvPr id="4" name="3 Marcador de contenido"/>
+          <p:cNvPicPr>
+            <a:picLocks noGrp="1" noChangeAspect="1"/>
+          </p:cNvPicPr>
           <p:nvPr>
             <p:ph idx="1"/>
           </p:nvPr>
-        </p:nvSpPr>
-        <p:spPr/>
-        <p:txBody>
-          <a:bodyPr/>
-          <a:lstStyle/>
-          <a:p>
-            <a:endParaRPr lang="es-MX"/>
-          </a:p>
-        </p:txBody>
-      </p:sp>
+        </p:nvPicPr>
+        <p:blipFill>
+          <a:blip r:embed="rId2">
+            <a:extLst>
+              <a:ext uri="{28A0092B-C50C-407E-A947-70E740481C1C}">
+                <a14:useLocalDpi xmlns:a14="http://schemas.microsoft.com/office/drawing/2010/main" val="0"/>
+              </a:ext>
+            </a:extLst>
+          </a:blip>
+          <a:stretch>
+            <a:fillRect/>
+          </a:stretch>
+        </p:blipFill>
+        <p:spPr>
+          <a:xfrm>
+            <a:off x="1907704" y="1412776"/>
+            <a:ext cx="4981073" cy="4876800"/>
+          </a:xfrm>
+        </p:spPr>
+      </p:pic>
     </p:spTree>
     <p:extLst>
       <p:ext uri="{BB962C8B-B14F-4D97-AF65-F5344CB8AC3E}">
-        <p14:creationId xmlns:p14="http://schemas.microsoft.com/office/powerpoint/2010/main" val="738099653"/>
+        <p14:creationId xmlns:p14="http://schemas.microsoft.com/office/powerpoint/2010/main" val="3253535986"/>
       </p:ext>
     </p:extLst>
   </p:cSld>
@@ -4256,35 +4414,53 @@
           <a:p>
             <a:r>
               <a:rPr lang="es-MX" dirty="0" smtClean="0"/>
-              <a:t>Caso aplicativo</a:t>
+              <a:t>Topología de </a:t>
+            </a:r>
+            <a:r>
+              <a:rPr lang="es-MX" dirty="0" err="1" smtClean="0"/>
+              <a:t>grid</a:t>
+            </a:r>
+            <a:r>
+              <a:rPr lang="es-MX" dirty="0" smtClean="0"/>
+              <a:t> extendida</a:t>
             </a:r>
             <a:endParaRPr lang="es-MX" dirty="0"/>
           </a:p>
         </p:txBody>
       </p:sp>
-      <p:sp>
-        <p:nvSpPr>
-          <p:cNvPr id="3" name="2 Marcador de contenido"/>
-          <p:cNvSpPr>
-            <a:spLocks noGrp="1"/>
-          </p:cNvSpPr>
+      <p:pic>
+        <p:nvPicPr>
+          <p:cNvPr id="4" name="3 Marcador de contenido"/>
+          <p:cNvPicPr>
+            <a:picLocks noGrp="1" noChangeAspect="1"/>
+          </p:cNvPicPr>
           <p:nvPr>
             <p:ph idx="1"/>
           </p:nvPr>
-        </p:nvSpPr>
-        <p:spPr/>
-        <p:txBody>
-          <a:bodyPr/>
-          <a:lstStyle/>
-          <a:p>
-            <a:endParaRPr lang="es-MX"/>
-          </a:p>
-        </p:txBody>
-      </p:sp>
+        </p:nvPicPr>
+        <p:blipFill>
+          <a:blip r:embed="rId2">
+            <a:extLst>
+              <a:ext uri="{28A0092B-C50C-407E-A947-70E740481C1C}">
+                <a14:useLocalDpi xmlns:a14="http://schemas.microsoft.com/office/drawing/2010/main" val="0"/>
+              </a:ext>
+            </a:extLst>
+          </a:blip>
+          <a:stretch>
+            <a:fillRect/>
+          </a:stretch>
+        </p:blipFill>
+        <p:spPr>
+          <a:xfrm>
+            <a:off x="1733266" y="1600200"/>
+            <a:ext cx="5677468" cy="4876800"/>
+          </a:xfrm>
+        </p:spPr>
+      </p:pic>
     </p:spTree>
     <p:extLst>
       <p:ext uri="{BB962C8B-B14F-4D97-AF65-F5344CB8AC3E}">
-        <p14:creationId xmlns:p14="http://schemas.microsoft.com/office/powerpoint/2010/main" val="2125470112"/>
+        <p14:creationId xmlns:p14="http://schemas.microsoft.com/office/powerpoint/2010/main" val="1337012142"/>
       </p:ext>
     </p:extLst>
   </p:cSld>
@@ -4328,7 +4504,7 @@
           <a:p>
             <a:r>
               <a:rPr lang="es-MX" dirty="0" smtClean="0"/>
-              <a:t>Conclusiones</a:t>
+              <a:t>Instalación</a:t>
             </a:r>
             <a:endParaRPr lang="es-MX" dirty="0"/>
           </a:p>
@@ -4349,14 +4525,169 @@
           <a:bodyPr/>
           <a:lstStyle/>
           <a:p>
-            <a:endParaRPr lang="es-MX"/>
-          </a:p>
-        </p:txBody>
-      </p:sp>
+            <a:pPr lvl="1"/>
+            <a:r>
+              <a:rPr lang="es-MX" dirty="0" smtClean="0"/>
+              <a:t>Descargamos </a:t>
+            </a:r>
+            <a:r>
+              <a:rPr lang="es-MX" dirty="0"/>
+              <a:t>el instalador </a:t>
+            </a:r>
+            <a:r>
+              <a:rPr lang="es-MX" dirty="0" smtClean="0"/>
+              <a:t>de </a:t>
+            </a:r>
+            <a:r>
+              <a:rPr lang="es-MX" dirty="0" smtClean="0">
+                <a:hlinkClick r:id="rId2"/>
+              </a:rPr>
+              <a:t>http</a:t>
+            </a:r>
+            <a:r>
+              <a:rPr lang="es-MX" dirty="0">
+                <a:hlinkClick r:id="rId2"/>
+              </a:rPr>
+              <a:t>://</a:t>
+            </a:r>
+            <a:r>
+              <a:rPr lang="es-MX" dirty="0" smtClean="0">
+                <a:hlinkClick r:id="rId2"/>
+              </a:rPr>
+              <a:t>www.jppf.org/download/jppf_ws-5.0.jnlp</a:t>
+            </a:r>
+            <a:endParaRPr lang="es-MX" dirty="0" smtClean="0"/>
+          </a:p>
+          <a:p>
+            <a:pPr lvl="1"/>
+            <a:r>
+              <a:rPr lang="es-MX" dirty="0" smtClean="0"/>
+              <a:t>Le damos permisos especiales en la consola de configuración de java, en la pestaña de seguridad.</a:t>
+            </a:r>
+          </a:p>
+          <a:p>
+            <a:pPr lvl="1"/>
+            <a:r>
+              <a:rPr lang="es-MX" dirty="0" smtClean="0"/>
+              <a:t>Agregamos a la lista de </a:t>
+            </a:r>
+          </a:p>
+          <a:p>
+            <a:pPr marL="274320" lvl="1" indent="0">
+              <a:buNone/>
+            </a:pPr>
+            <a:r>
+              <a:rPr lang="es-MX" dirty="0"/>
+              <a:t> </a:t>
+            </a:r>
+            <a:r>
+              <a:rPr lang="es-MX" dirty="0" smtClean="0"/>
+              <a:t> </a:t>
+            </a:r>
+            <a:r>
+              <a:rPr lang="es-MX" dirty="0" smtClean="0"/>
+              <a:t>excepcio</a:t>
+            </a:r>
+            <a:r>
+              <a:rPr lang="es-MX" dirty="0" smtClean="0"/>
+              <a:t>nes.</a:t>
+            </a:r>
+          </a:p>
+          <a:p>
+            <a:pPr marL="274320" lvl="1" indent="0">
+              <a:buNone/>
+            </a:pPr>
+            <a:endParaRPr lang="es-MX" dirty="0" smtClean="0"/>
+          </a:p>
+          <a:p>
+            <a:pPr lvl="1"/>
+            <a:r>
+              <a:rPr lang="es-MX" dirty="0" smtClean="0"/>
+              <a:t>Damos doble </a:t>
+            </a:r>
+            <a:r>
+              <a:rPr lang="es-MX" dirty="0" err="1" smtClean="0"/>
+              <a:t>click</a:t>
+            </a:r>
+            <a:r>
+              <a:rPr lang="es-MX" dirty="0"/>
+              <a:t> </a:t>
+            </a:r>
+            <a:r>
+              <a:rPr lang="es-MX" dirty="0" smtClean="0"/>
+              <a:t>sobre el </a:t>
+            </a:r>
+          </a:p>
+          <a:p>
+            <a:pPr marL="274320" lvl="1" indent="0">
+              <a:buNone/>
+            </a:pPr>
+            <a:r>
+              <a:rPr lang="es-MX" dirty="0" smtClean="0"/>
+              <a:t>   </a:t>
+            </a:r>
+            <a:r>
+              <a:rPr lang="es-MX" dirty="0"/>
+              <a:t>a</a:t>
+            </a:r>
+            <a:r>
+              <a:rPr lang="es-MX" dirty="0" smtClean="0"/>
+              <a:t>rchivo ejecutable y seguimos el</a:t>
+            </a:r>
+          </a:p>
+          <a:p>
+            <a:pPr marL="274320" lvl="1" indent="0">
+              <a:buNone/>
+            </a:pPr>
+            <a:r>
+              <a:rPr lang="es-MX" dirty="0" smtClean="0"/>
+              <a:t>   a</a:t>
+            </a:r>
+            <a:r>
+              <a:rPr lang="es-MX" dirty="0" smtClean="0"/>
+              <a:t>sistente de instalación.</a:t>
+            </a:r>
+          </a:p>
+          <a:p>
+            <a:pPr lvl="1"/>
+            <a:endParaRPr lang="es-MX" dirty="0"/>
+          </a:p>
+        </p:txBody>
+      </p:sp>
+      <p:pic>
+        <p:nvPicPr>
+          <p:cNvPr id="4" name="3 Imagen"/>
+          <p:cNvPicPr>
+            <a:picLocks noChangeAspect="1"/>
+          </p:cNvPicPr>
+          <p:nvPr/>
+        </p:nvPicPr>
+        <p:blipFill>
+          <a:blip r:embed="rId3">
+            <a:extLst>
+              <a:ext uri="{28A0092B-C50C-407E-A947-70E740481C1C}">
+                <a14:useLocalDpi xmlns:a14="http://schemas.microsoft.com/office/drawing/2010/main" val="0"/>
+              </a:ext>
+            </a:extLst>
+          </a:blip>
+          <a:stretch>
+            <a:fillRect/>
+          </a:stretch>
+        </p:blipFill>
+        <p:spPr>
+          <a:xfrm>
+            <a:off x="4860032" y="2780928"/>
+            <a:ext cx="3551436" cy="3756454"/>
+          </a:xfrm>
+          <a:prstGeom prst="rect">
+            <a:avLst/>
+          </a:prstGeom>
+        </p:spPr>
+      </p:pic>
     </p:spTree>
     <p:extLst>
       <p:ext uri="{BB962C8B-B14F-4D97-AF65-F5344CB8AC3E}">
-        <p14:creationId xmlns:p14="http://schemas.microsoft.com/office/powerpoint/2010/main" val="2764883543"/>
+        <p14:creationId xmlns:p14="http://schemas.microsoft.com/office/powerpoint/2010/main" val="738099653"/>
       </p:ext>
     </p:extLst>
   </p:cSld>
@@ -4395,14 +4726,12 @@
         </p:nvSpPr>
         <p:spPr/>
         <p:txBody>
-          <a:bodyPr>
-            <a:normAutofit fontScale="90000"/>
-          </a:bodyPr>
+          <a:bodyPr/>
           <a:lstStyle/>
           <a:p>
             <a:r>
               <a:rPr lang="es-MX" dirty="0" smtClean="0"/>
-              <a:t>¿Qué pasa si agregamos o quitamos nodos?</a:t>
+              <a:t>Caso aplicativo</a:t>
             </a:r>
             <a:endParaRPr lang="es-MX" dirty="0"/>
           </a:p>
@@ -4423,14 +4752,14 @@
           <a:bodyPr/>
           <a:lstStyle/>
           <a:p>
-            <a:endParaRPr lang="es-MX" dirty="0"/>
+            <a:endParaRPr lang="es-MX"/>
           </a:p>
         </p:txBody>
       </p:sp>
     </p:spTree>
     <p:extLst>
       <p:ext uri="{BB962C8B-B14F-4D97-AF65-F5344CB8AC3E}">
-        <p14:creationId xmlns:p14="http://schemas.microsoft.com/office/powerpoint/2010/main" val="1397610341"/>
+        <p14:creationId xmlns:p14="http://schemas.microsoft.com/office/powerpoint/2010/main" val="2125470112"/>
       </p:ext>
     </p:extLst>
   </p:cSld>

--- a/Tareas/JPPF/JPPF-Presentacion.pptx
+++ b/Tareas/JPPF/JPPF-Presentacion.pptx
@@ -3570,7 +3570,19 @@
           <a:bodyPr/>
           <a:lstStyle/>
           <a:p>
-            <a:endParaRPr lang="es-MX"/>
+            <a:r>
+              <a:rPr lang="es-MX" dirty="0" smtClean="0"/>
+              <a:t>JPPF es la forma más simple de crear un </a:t>
+            </a:r>
+            <a:r>
+              <a:rPr lang="es-MX" dirty="0" err="1" smtClean="0"/>
+              <a:t>grid</a:t>
+            </a:r>
+            <a:r>
+              <a:rPr lang="es-MX" dirty="0" smtClean="0"/>
+              <a:t> a nivel de aplicación. Una de las ventajas de JPPF es que esta hecho sobre JAVA por lo cuál es multiplataforma. La facilidad de uso lo hacen una buena opción cuando los usuarios o clientes requieren una solución rápida, fácil y que abstraiga la complejidad del procesamiento paralelo y distribuido.</a:t>
+            </a:r>
+            <a:endParaRPr lang="es-MX" dirty="0"/>
           </a:p>
         </p:txBody>
       </p:sp>
@@ -4752,7 +4764,53 @@
           <a:bodyPr/>
           <a:lstStyle/>
           <a:p>
-            <a:endParaRPr lang="es-MX"/>
+            <a:r>
+              <a:rPr lang="es-MX" dirty="0" smtClean="0"/>
+              <a:t>Podemos ocupar </a:t>
+            </a:r>
+            <a:r>
+              <a:rPr lang="es-MX" dirty="0" err="1" smtClean="0"/>
+              <a:t>google</a:t>
+            </a:r>
+            <a:r>
+              <a:rPr lang="es-MX" dirty="0" smtClean="0"/>
+              <a:t> hacking para encontrar sitios vulnerables en la red, una vez encontrado un sitio con vulnerabilidad de paso de parámetros por GET podemos ocupar el </a:t>
+            </a:r>
+            <a:r>
+              <a:rPr lang="es-MX" dirty="0" err="1" smtClean="0"/>
+              <a:t>grid</a:t>
+            </a:r>
+            <a:r>
+              <a:rPr lang="es-MX" dirty="0" smtClean="0"/>
+              <a:t> JPPF para intentar encontrar la contraseña a través de la prueba de contraseñas en un diccionario.</a:t>
+            </a:r>
+          </a:p>
+          <a:p>
+            <a:r>
+              <a:rPr lang="es-MX" dirty="0" smtClean="0"/>
+              <a:t>Para ello creamos un </a:t>
+            </a:r>
+            <a:r>
+              <a:rPr lang="es-MX" dirty="0" err="1" smtClean="0"/>
+              <a:t>job</a:t>
+            </a:r>
+            <a:r>
+              <a:rPr lang="es-MX" dirty="0"/>
+              <a:t> </a:t>
+            </a:r>
+            <a:r>
+              <a:rPr lang="es-MX" dirty="0" smtClean="0"/>
+              <a:t>y se dividen en </a:t>
+            </a:r>
+            <a:r>
+              <a:rPr lang="es-MX" dirty="0" err="1" smtClean="0"/>
+              <a:t>tasks</a:t>
+            </a:r>
+            <a:r>
+              <a:rPr lang="es-MX" dirty="0" smtClean="0"/>
+              <a:t> que son ejecutadas en los nodos.</a:t>
+            </a:r>
+            <a:endParaRPr lang="es-MX" dirty="0"/>
           </a:p>
         </p:txBody>
       </p:sp>

--- a/Tareas/JPPF/JPPF-Presentacion.pptx
+++ b/Tareas/JPPF/JPPF-Presentacion.pptx
@@ -16,7 +16,8 @@
     <p:sldId id="260" r:id="rId10"/>
     <p:sldId id="261" r:id="rId11"/>
     <p:sldId id="262" r:id="rId12"/>
-    <p:sldId id="263" r:id="rId13"/>
+    <p:sldId id="268" r:id="rId13"/>
+    <p:sldId id="263" r:id="rId14"/>
   </p:sldIdLst>
   <p:sldSz cx="9144000" cy="6858000" type="screen4x3"/>
   <p:notesSz cx="6858000" cy="9144000"/>
@@ -115,6 +116,22 @@
       </a:defRPr>
     </a:lvl9pPr>
   </p:defaultTextStyle>
+  <p:extLst>
+    <p:ext uri="{EFAFB233-063F-42B5-8137-9DF3F51BA10A}">
+      <p15:sldGuideLst xmlns:p15="http://schemas.microsoft.com/office/powerpoint/2012/main" xmlns="">
+        <p15:guide id="1" orient="horz" pos="2160">
+          <p15:clr>
+            <a:srgbClr val="A4A3A4"/>
+          </p15:clr>
+        </p15:guide>
+        <p15:guide id="2" pos="2880">
+          <p15:clr>
+            <a:srgbClr val="A4A3A4"/>
+          </p15:clr>
+        </p15:guide>
+      </p15:sldGuideLst>
+    </p:ext>
+  </p:extLst>
 </p:presentation>
 </file>
 
@@ -3656,6 +3673,38 @@
           <a:bodyPr/>
           <a:lstStyle/>
           <a:p>
+            <a:r>
+              <a:rPr lang="es-MX" dirty="0" smtClean="0"/>
+              <a:t>Cuando se agregan nodos en JPPF, lo primero que hace es identificarlos y mostrarlos en la topología, dependiendo del servidor en el cual se hayan conectado. Se muestra también su status y las tareas ejecutadas por el nodo.</a:t>
+            </a:r>
+          </a:p>
+          <a:p>
+            <a:r>
+              <a:rPr lang="es-MX" dirty="0" smtClean="0"/>
+              <a:t>Por su parte, cuando se inicializa un </a:t>
+            </a:r>
+            <a:r>
+              <a:rPr lang="es-MX" dirty="0" err="1" smtClean="0"/>
+              <a:t>job</a:t>
+            </a:r>
+            <a:r>
+              <a:rPr lang="es-MX" dirty="0" smtClean="0"/>
+              <a:t>, las </a:t>
+            </a:r>
+            <a:r>
+              <a:rPr lang="es-MX" dirty="0" err="1" smtClean="0"/>
+              <a:t>tasks</a:t>
+            </a:r>
+            <a:r>
+              <a:rPr lang="es-MX" dirty="0" smtClean="0"/>
+              <a:t> que contiene son divididas entre los nodos para lograr una ejecución mucho más rápida.</a:t>
+            </a:r>
+          </a:p>
+          <a:p>
+            <a:r>
+              <a:rPr lang="es-MX" dirty="0" smtClean="0"/>
+              <a:t>En caso de que el nodo se caiga en medio de la operación, las tareas restantes se redistribuyen entre los nodos activos.</a:t>
+            </a:r>
             <a:endParaRPr lang="es-MX" dirty="0"/>
           </a:p>
         </p:txBody>
@@ -3692,6 +3741,114 @@
       </p:grpSpPr>
       <p:sp>
         <p:nvSpPr>
+          <p:cNvPr id="2" name="Title 1"/>
+          <p:cNvSpPr>
+            <a:spLocks noGrp="1"/>
+          </p:cNvSpPr>
+          <p:nvPr>
+            <p:ph type="title"/>
+          </p:nvPr>
+        </p:nvSpPr>
+        <p:spPr/>
+        <p:txBody>
+          <a:bodyPr/>
+          <a:lstStyle/>
+          <a:p>
+            <a:endParaRPr lang="en-US"/>
+          </a:p>
+        </p:txBody>
+      </p:sp>
+      <p:pic>
+        <p:nvPicPr>
+          <p:cNvPr id="4" name="Content Placeholder 3"/>
+          <p:cNvPicPr>
+            <a:picLocks noGrp="1" noChangeAspect="1"/>
+          </p:cNvPicPr>
+          <p:nvPr>
+            <p:ph idx="1"/>
+          </p:nvPr>
+        </p:nvPicPr>
+        <p:blipFill>
+          <a:blip r:embed="rId2">
+            <a:extLst>
+              <a:ext uri="{28A0092B-C50C-407E-A947-70E740481C1C}">
+                <a14:useLocalDpi xmlns:a14="http://schemas.microsoft.com/office/drawing/2010/main" val="0"/>
+              </a:ext>
+            </a:extLst>
+          </a:blip>
+          <a:stretch>
+            <a:fillRect/>
+          </a:stretch>
+        </p:blipFill>
+        <p:spPr>
+          <a:xfrm>
+            <a:off x="0" y="0"/>
+            <a:ext cx="5393487" cy="4876800"/>
+          </a:xfrm>
+        </p:spPr>
+      </p:pic>
+      <p:pic>
+        <p:nvPicPr>
+          <p:cNvPr id="5" name="Picture 4"/>
+          <p:cNvPicPr>
+            <a:picLocks noChangeAspect="1"/>
+          </p:cNvPicPr>
+          <p:nvPr/>
+        </p:nvPicPr>
+        <p:blipFill>
+          <a:blip r:embed="rId3">
+            <a:extLst>
+              <a:ext uri="{28A0092B-C50C-407E-A947-70E740481C1C}">
+                <a14:useLocalDpi xmlns:a14="http://schemas.microsoft.com/office/drawing/2010/main" val="0"/>
+              </a:ext>
+            </a:extLst>
+          </a:blip>
+          <a:stretch>
+            <a:fillRect/>
+          </a:stretch>
+        </p:blipFill>
+        <p:spPr>
+          <a:xfrm>
+            <a:off x="1944380" y="1751887"/>
+            <a:ext cx="7182852" cy="5106113"/>
+          </a:xfrm>
+          <a:prstGeom prst="rect">
+            <a:avLst/>
+          </a:prstGeom>
+        </p:spPr>
+      </p:pic>
+    </p:spTree>
+    <p:extLst>
+      <p:ext uri="{BB962C8B-B14F-4D97-AF65-F5344CB8AC3E}">
+        <p14:creationId xmlns:p14="http://schemas.microsoft.com/office/powerpoint/2010/main" val="3756820509"/>
+      </p:ext>
+    </p:extLst>
+  </p:cSld>
+  <p:clrMapOvr>
+    <a:masterClrMapping/>
+  </p:clrMapOvr>
+</p:sld>
+</file>
+
+<file path=ppt/slides/slide13.xml><?xml version="1.0" encoding="utf-8"?>
+<p:sld xmlns:a="http://schemas.openxmlformats.org/drawingml/2006/main" xmlns:r="http://schemas.openxmlformats.org/officeDocument/2006/relationships" xmlns:p="http://schemas.openxmlformats.org/presentationml/2006/main">
+  <p:cSld>
+    <p:spTree>
+      <p:nvGrpSpPr>
+        <p:cNvPr id="1" name=""/>
+        <p:cNvGrpSpPr/>
+        <p:nvPr/>
+      </p:nvGrpSpPr>
+      <p:grpSpPr>
+        <a:xfrm>
+          <a:off x="0" y="0"/>
+          <a:ext cx="0" cy="0"/>
+          <a:chOff x="0" y="0"/>
+          <a:chExt cx="0" cy="0"/>
+        </a:xfrm>
+      </p:grpSpPr>
+      <p:sp>
+        <p:nvSpPr>
           <p:cNvPr id="2" name="1 Título"/>
           <p:cNvSpPr>
             <a:spLocks noGrp="1"/>
@@ -3715,25 +3872,35 @@
           </a:p>
         </p:txBody>
       </p:sp>
-      <p:sp>
-        <p:nvSpPr>
-          <p:cNvPr id="3" name="2 Marcador de contenido"/>
-          <p:cNvSpPr>
-            <a:spLocks noGrp="1"/>
-          </p:cNvSpPr>
+      <p:pic>
+        <p:nvPicPr>
+          <p:cNvPr id="4" name="3 Marcador de contenido"/>
+          <p:cNvPicPr>
+            <a:picLocks noGrp="1" noChangeAspect="1"/>
+          </p:cNvPicPr>
           <p:nvPr>
             <p:ph idx="1"/>
           </p:nvPr>
-        </p:nvSpPr>
-        <p:spPr/>
-        <p:txBody>
-          <a:bodyPr/>
-          <a:lstStyle/>
-          <a:p>
-            <a:endParaRPr lang="es-MX"/>
-          </a:p>
-        </p:txBody>
-      </p:sp>
+        </p:nvPicPr>
+        <p:blipFill>
+          <a:blip r:embed="rId2">
+            <a:extLst>
+              <a:ext uri="{28A0092B-C50C-407E-A947-70E740481C1C}">
+                <a14:useLocalDpi xmlns:a14="http://schemas.microsoft.com/office/drawing/2010/main" val="0"/>
+              </a:ext>
+            </a:extLst>
+          </a:blip>
+          <a:stretch>
+            <a:fillRect/>
+          </a:stretch>
+        </p:blipFill>
+        <p:spPr>
+          <a:xfrm>
+            <a:off x="2647681" y="1876123"/>
+            <a:ext cx="3848637" cy="4324954"/>
+          </a:xfrm>
+        </p:spPr>
+      </p:pic>
     </p:spTree>
     <p:extLst>
       <p:ext uri="{BB962C8B-B14F-4D97-AF65-F5344CB8AC3E}">
@@ -4594,15 +4761,7 @@
             </a:r>
             <a:r>
               <a:rPr lang="es-MX" dirty="0" smtClean="0"/>
-              <a:t> </a:t>
-            </a:r>
-            <a:r>
-              <a:rPr lang="es-MX" dirty="0" smtClean="0"/>
-              <a:t>excepcio</a:t>
-            </a:r>
-            <a:r>
-              <a:rPr lang="es-MX" dirty="0" smtClean="0"/>
-              <a:t>nes.</a:t>
+              <a:t> excepciones.</a:t>
             </a:r>
           </a:p>
           <a:p>
@@ -4653,11 +4812,7 @@
             </a:pPr>
             <a:r>
               <a:rPr lang="es-MX" dirty="0" smtClean="0"/>
-              <a:t>   a</a:t>
-            </a:r>
-            <a:r>
-              <a:rPr lang="es-MX" dirty="0" smtClean="0"/>
-              <a:t>sistente de instalación.</a:t>
+              <a:t>   asistente de instalación.</a:t>
             </a:r>
           </a:p>
           <a:p>
